--- a/Micro Service.pptx
+++ b/Micro Service.pptx
@@ -5,7 +5,7 @@
     <p:sldMasterId id="2147483660" r:id="rId1"/>
   </p:sldMasterIdLst>
   <p:notesMasterIdLst>
-    <p:notesMasterId r:id="rId12"/>
+    <p:notesMasterId r:id="rId25"/>
   </p:notesMasterIdLst>
   <p:sldIdLst>
     <p:sldId id="256" r:id="rId2"/>
@@ -18,6 +18,19 @@
     <p:sldId id="265" r:id="rId9"/>
     <p:sldId id="267" r:id="rId10"/>
     <p:sldId id="268" r:id="rId11"/>
+    <p:sldId id="269" r:id="rId12"/>
+    <p:sldId id="270" r:id="rId13"/>
+    <p:sldId id="271" r:id="rId14"/>
+    <p:sldId id="275" r:id="rId15"/>
+    <p:sldId id="276" r:id="rId16"/>
+    <p:sldId id="272" r:id="rId17"/>
+    <p:sldId id="277" r:id="rId18"/>
+    <p:sldId id="273" r:id="rId19"/>
+    <p:sldId id="279" r:id="rId20"/>
+    <p:sldId id="274" r:id="rId21"/>
+    <p:sldId id="280" r:id="rId22"/>
+    <p:sldId id="281" r:id="rId23"/>
+    <p:sldId id="282" r:id="rId24"/>
   </p:sldIdLst>
   <p:sldSz cx="12192000" cy="6858000"/>
   <p:notesSz cx="6858000" cy="9144000"/>
@@ -206,7 +219,7 @@
           <a:p>
             <a:fld id="{B85CB690-453F-4C54-9FD9-B4719876F28D}" type="datetimeFigureOut">
               <a:rPr lang="zh-CN" altLang="en-US" smtClean="0"/>
-              <a:t>2018/8/25</a:t>
+              <a:t>2018/8/29</a:t>
             </a:fld>
             <a:endParaRPr lang="zh-CN" altLang="en-US"/>
           </a:p>
@@ -1060,7 +1073,7 @@
           <a:p>
             <a:fld id="{B8394647-73FF-4A97-BB49-5C6BA88F0F87}" type="datetimeFigureOut">
               <a:rPr lang="zh-CN" altLang="en-US" smtClean="0"/>
-              <a:t>2018/8/25</a:t>
+              <a:t>2018/8/29</a:t>
             </a:fld>
             <a:endParaRPr lang="zh-CN" altLang="en-US"/>
           </a:p>
@@ -1356,7 +1369,7 @@
           <a:p>
             <a:fld id="{B8394647-73FF-4A97-BB49-5C6BA88F0F87}" type="datetimeFigureOut">
               <a:rPr lang="zh-CN" altLang="en-US" smtClean="0"/>
-              <a:t>2018/8/25</a:t>
+              <a:t>2018/8/29</a:t>
             </a:fld>
             <a:endParaRPr lang="zh-CN" altLang="en-US"/>
           </a:p>
@@ -1604,7 +1617,7 @@
           <a:p>
             <a:fld id="{B8394647-73FF-4A97-BB49-5C6BA88F0F87}" type="datetimeFigureOut">
               <a:rPr lang="zh-CN" altLang="en-US" smtClean="0"/>
-              <a:t>2018/8/25</a:t>
+              <a:t>2018/8/29</a:t>
             </a:fld>
             <a:endParaRPr lang="zh-CN" altLang="en-US"/>
           </a:p>
@@ -2144,7 +2157,7 @@
           <a:p>
             <a:fld id="{B8394647-73FF-4A97-BB49-5C6BA88F0F87}" type="datetimeFigureOut">
               <a:rPr lang="zh-CN" altLang="en-US" smtClean="0"/>
-              <a:t>2018/8/25</a:t>
+              <a:t>2018/8/29</a:t>
             </a:fld>
             <a:endParaRPr lang="zh-CN" altLang="en-US"/>
           </a:p>
@@ -2392,7 +2405,7 @@
           <a:p>
             <a:fld id="{B8394647-73FF-4A97-BB49-5C6BA88F0F87}" type="datetimeFigureOut">
               <a:rPr lang="zh-CN" altLang="en-US" smtClean="0"/>
-              <a:t>2018/8/25</a:t>
+              <a:t>2018/8/29</a:t>
             </a:fld>
             <a:endParaRPr lang="zh-CN" altLang="en-US"/>
           </a:p>
@@ -2924,7 +2937,7 @@
           <a:p>
             <a:fld id="{B8394647-73FF-4A97-BB49-5C6BA88F0F87}" type="datetimeFigureOut">
               <a:rPr lang="zh-CN" altLang="en-US" smtClean="0"/>
-              <a:t>2018/8/25</a:t>
+              <a:t>2018/8/29</a:t>
             </a:fld>
             <a:endParaRPr lang="zh-CN" altLang="en-US"/>
           </a:p>
@@ -3221,7 +3234,7 @@
           <a:p>
             <a:fld id="{B8394647-73FF-4A97-BB49-5C6BA88F0F87}" type="datetimeFigureOut">
               <a:rPr lang="zh-CN" altLang="en-US" smtClean="0"/>
-              <a:t>2018/8/25</a:t>
+              <a:t>2018/8/29</a:t>
             </a:fld>
             <a:endParaRPr lang="zh-CN" altLang="en-US"/>
           </a:p>
@@ -3395,7 +3408,7 @@
           <a:p>
             <a:fld id="{B8394647-73FF-4A97-BB49-5C6BA88F0F87}" type="datetimeFigureOut">
               <a:rPr lang="zh-CN" altLang="en-US" smtClean="0"/>
-              <a:t>2018/8/25</a:t>
+              <a:t>2018/8/29</a:t>
             </a:fld>
             <a:endParaRPr lang="zh-CN" altLang="en-US"/>
           </a:p>
@@ -3575,7 +3588,7 @@
           <a:p>
             <a:fld id="{B8394647-73FF-4A97-BB49-5C6BA88F0F87}" type="datetimeFigureOut">
               <a:rPr lang="zh-CN" altLang="en-US" smtClean="0"/>
-              <a:t>2018/8/25</a:t>
+              <a:t>2018/8/29</a:t>
             </a:fld>
             <a:endParaRPr lang="zh-CN" altLang="en-US"/>
           </a:p>
@@ -3745,7 +3758,7 @@
           <a:p>
             <a:fld id="{B8394647-73FF-4A97-BB49-5C6BA88F0F87}" type="datetimeFigureOut">
               <a:rPr lang="zh-CN" altLang="en-US" smtClean="0"/>
-              <a:t>2018/8/25</a:t>
+              <a:t>2018/8/29</a:t>
             </a:fld>
             <a:endParaRPr lang="zh-CN" altLang="en-US"/>
           </a:p>
@@ -3996,7 +4009,7 @@
           <a:p>
             <a:fld id="{B8394647-73FF-4A97-BB49-5C6BA88F0F87}" type="datetimeFigureOut">
               <a:rPr lang="zh-CN" altLang="en-US" smtClean="0"/>
-              <a:t>2018/8/25</a:t>
+              <a:t>2018/8/29</a:t>
             </a:fld>
             <a:endParaRPr lang="zh-CN" altLang="en-US"/>
           </a:p>
@@ -4293,7 +4306,7 @@
           <a:p>
             <a:fld id="{B8394647-73FF-4A97-BB49-5C6BA88F0F87}" type="datetimeFigureOut">
               <a:rPr lang="zh-CN" altLang="en-US" smtClean="0"/>
-              <a:t>2018/8/25</a:t>
+              <a:t>2018/8/29</a:t>
             </a:fld>
             <a:endParaRPr lang="zh-CN" altLang="en-US"/>
           </a:p>
@@ -4735,7 +4748,7 @@
           <a:p>
             <a:fld id="{B8394647-73FF-4A97-BB49-5C6BA88F0F87}" type="datetimeFigureOut">
               <a:rPr lang="zh-CN" altLang="en-US" smtClean="0"/>
-              <a:t>2018/8/25</a:t>
+              <a:t>2018/8/29</a:t>
             </a:fld>
             <a:endParaRPr lang="zh-CN" altLang="en-US"/>
           </a:p>
@@ -4853,7 +4866,7 @@
           <a:p>
             <a:fld id="{B8394647-73FF-4A97-BB49-5C6BA88F0F87}" type="datetimeFigureOut">
               <a:rPr lang="zh-CN" altLang="en-US" smtClean="0"/>
-              <a:t>2018/8/25</a:t>
+              <a:t>2018/8/29</a:t>
             </a:fld>
             <a:endParaRPr lang="zh-CN" altLang="en-US"/>
           </a:p>
@@ -4948,7 +4961,7 @@
           <a:p>
             <a:fld id="{B8394647-73FF-4A97-BB49-5C6BA88F0F87}" type="datetimeFigureOut">
               <a:rPr lang="zh-CN" altLang="en-US" smtClean="0"/>
-              <a:t>2018/8/25</a:t>
+              <a:t>2018/8/29</a:t>
             </a:fld>
             <a:endParaRPr lang="zh-CN" altLang="en-US"/>
           </a:p>
@@ -5231,7 +5244,7 @@
           <a:p>
             <a:fld id="{B8394647-73FF-4A97-BB49-5C6BA88F0F87}" type="datetimeFigureOut">
               <a:rPr lang="zh-CN" altLang="en-US" smtClean="0"/>
-              <a:t>2018/8/25</a:t>
+              <a:t>2018/8/29</a:t>
             </a:fld>
             <a:endParaRPr lang="zh-CN" altLang="en-US"/>
           </a:p>
@@ -5522,7 +5535,7 @@
           <a:p>
             <a:fld id="{B8394647-73FF-4A97-BB49-5C6BA88F0F87}" type="datetimeFigureOut">
               <a:rPr lang="zh-CN" altLang="en-US" smtClean="0"/>
-              <a:t>2018/8/25</a:t>
+              <a:t>2018/8/29</a:t>
             </a:fld>
             <a:endParaRPr lang="zh-CN" altLang="en-US"/>
           </a:p>
@@ -6052,7 +6065,7 @@
           <a:p>
             <a:fld id="{B8394647-73FF-4A97-BB49-5C6BA88F0F87}" type="datetimeFigureOut">
               <a:rPr lang="zh-CN" altLang="en-US" smtClean="0"/>
-              <a:t>2018/8/25</a:t>
+              <a:t>2018/8/29</a:t>
             </a:fld>
             <a:endParaRPr lang="zh-CN" altLang="en-US"/>
           </a:p>
@@ -6736,6 +6749,1085 @@
 </p:sld>
 </file>
 
+<file path=ppt/slides/slide11.xml><?xml version="1.0" encoding="utf-8"?>
+<p:sld xmlns:a="http://schemas.openxmlformats.org/drawingml/2006/main" xmlns:r="http://schemas.openxmlformats.org/officeDocument/2006/relationships" xmlns:p="http://schemas.openxmlformats.org/presentationml/2006/main">
+  <p:cSld>
+    <p:spTree>
+      <p:nvGrpSpPr>
+        <p:cNvPr id="1" name=""/>
+        <p:cNvGrpSpPr/>
+        <p:nvPr/>
+      </p:nvGrpSpPr>
+      <p:grpSpPr>
+        <a:xfrm>
+          <a:off x="0" y="0"/>
+          <a:ext cx="0" cy="0"/>
+          <a:chOff x="0" y="0"/>
+          <a:chExt cx="0" cy="0"/>
+        </a:xfrm>
+      </p:grpSpPr>
+      <p:sp>
+        <p:nvSpPr>
+          <p:cNvPr id="2" name="标题 1"/>
+          <p:cNvSpPr>
+            <a:spLocks noGrp="1"/>
+          </p:cNvSpPr>
+          <p:nvPr>
+            <p:ph type="title"/>
+          </p:nvPr>
+        </p:nvSpPr>
+        <p:spPr/>
+        <p:txBody>
+          <a:bodyPr/>
+          <a:lstStyle/>
+          <a:p>
+            <a:r>
+              <a:rPr lang="en-US" altLang="zh-CN" dirty="0" err="1" smtClean="0"/>
+              <a:t>MusicCorp</a:t>
+            </a:r>
+            <a:r>
+              <a:rPr lang="zh-CN" altLang="en-US" dirty="0" smtClean="0"/>
+              <a:t>（分解代码）</a:t>
+            </a:r>
+            <a:endParaRPr lang="zh-CN" altLang="en-US" dirty="0"/>
+          </a:p>
+        </p:txBody>
+      </p:sp>
+      <p:sp>
+        <p:nvSpPr>
+          <p:cNvPr id="3" name="内容占位符 2"/>
+          <p:cNvSpPr>
+            <a:spLocks noGrp="1"/>
+          </p:cNvSpPr>
+          <p:nvPr>
+            <p:ph idx="1"/>
+          </p:nvPr>
+        </p:nvSpPr>
+        <p:spPr>
+          <a:xfrm>
+            <a:off x="1484311" y="2438399"/>
+            <a:ext cx="10018713" cy="3124201"/>
+          </a:xfrm>
+        </p:spPr>
+        <p:txBody>
+          <a:bodyPr>
+            <a:normAutofit fontScale="92500" lnSpcReduction="20000"/>
+          </a:bodyPr>
+          <a:lstStyle/>
+          <a:p>
+            <a:r>
+              <a:rPr lang="zh-CN" altLang="en-US" dirty="0" smtClean="0"/>
+              <a:t>产品目录</a:t>
+            </a:r>
+            <a:endParaRPr lang="en-US" altLang="zh-CN" dirty="0" smtClean="0"/>
+          </a:p>
+          <a:p>
+            <a:pPr lvl="1"/>
+            <a:r>
+              <a:rPr lang="zh-CN" altLang="en-US" dirty="0" smtClean="0"/>
+              <a:t>与正在销售的商品相关的元数据</a:t>
+            </a:r>
+            <a:endParaRPr lang="en-US" altLang="zh-CN" dirty="0" smtClean="0"/>
+          </a:p>
+          <a:p>
+            <a:r>
+              <a:rPr lang="zh-CN" altLang="en-US" dirty="0"/>
+              <a:t>账</a:t>
+            </a:r>
+            <a:r>
+              <a:rPr lang="zh-CN" altLang="en-US" dirty="0" smtClean="0"/>
+              <a:t>务</a:t>
+            </a:r>
+            <a:endParaRPr lang="en-US" altLang="zh-CN" dirty="0" smtClean="0"/>
+          </a:p>
+          <a:p>
+            <a:pPr lvl="1"/>
+            <a:r>
+              <a:rPr lang="zh-CN" altLang="en-US" dirty="0" smtClean="0"/>
+              <a:t>账户、支付、退款等项目的报告</a:t>
+            </a:r>
+            <a:endParaRPr lang="en-US" altLang="zh-CN" dirty="0" smtClean="0"/>
+          </a:p>
+          <a:p>
+            <a:r>
+              <a:rPr lang="zh-CN" altLang="en-US" dirty="0" smtClean="0"/>
+              <a:t>仓库</a:t>
+            </a:r>
+            <a:endParaRPr lang="en-US" altLang="zh-CN" dirty="0" smtClean="0"/>
+          </a:p>
+          <a:p>
+            <a:pPr lvl="1"/>
+            <a:r>
+              <a:rPr lang="zh-CN" altLang="en-US" dirty="0" smtClean="0"/>
+              <a:t>分发客户订单、处理退货、、管理仓库</a:t>
+            </a:r>
+            <a:endParaRPr lang="en-US" altLang="zh-CN" dirty="0" smtClean="0"/>
+          </a:p>
+          <a:p>
+            <a:r>
+              <a:rPr lang="zh-CN" altLang="en-US" dirty="0" smtClean="0"/>
+              <a:t>推荐</a:t>
+            </a:r>
+            <a:endParaRPr lang="en-US" altLang="zh-CN" dirty="0" smtClean="0"/>
+          </a:p>
+          <a:p>
+            <a:pPr lvl="1"/>
+            <a:r>
+              <a:rPr lang="zh-CN" altLang="en-US" dirty="0" smtClean="0"/>
+              <a:t>推荐系统</a:t>
+            </a:r>
+            <a:endParaRPr lang="zh-CN" altLang="en-US" dirty="0"/>
+          </a:p>
+        </p:txBody>
+      </p:sp>
+    </p:spTree>
+    <p:extLst>
+      <p:ext uri="{BB962C8B-B14F-4D97-AF65-F5344CB8AC3E}">
+        <p14:creationId xmlns:p14="http://schemas.microsoft.com/office/powerpoint/2010/main" val="3475463743"/>
+      </p:ext>
+    </p:extLst>
+  </p:cSld>
+  <p:clrMapOvr>
+    <a:masterClrMapping/>
+  </p:clrMapOvr>
+</p:sld>
+</file>
+
+<file path=ppt/slides/slide12.xml><?xml version="1.0" encoding="utf-8"?>
+<p:sld xmlns:a="http://schemas.openxmlformats.org/drawingml/2006/main" xmlns:r="http://schemas.openxmlformats.org/officeDocument/2006/relationships" xmlns:p="http://schemas.openxmlformats.org/presentationml/2006/main">
+  <p:cSld>
+    <p:spTree>
+      <p:nvGrpSpPr>
+        <p:cNvPr id="1" name=""/>
+        <p:cNvGrpSpPr/>
+        <p:nvPr/>
+      </p:nvGrpSpPr>
+      <p:grpSpPr>
+        <a:xfrm>
+          <a:off x="0" y="0"/>
+          <a:ext cx="0" cy="0"/>
+          <a:chOff x="0" y="0"/>
+          <a:chExt cx="0" cy="0"/>
+        </a:xfrm>
+      </p:grpSpPr>
+      <p:sp>
+        <p:nvSpPr>
+          <p:cNvPr id="2" name="标题 1"/>
+          <p:cNvSpPr>
+            <a:spLocks noGrp="1"/>
+          </p:cNvSpPr>
+          <p:nvPr>
+            <p:ph type="title"/>
+          </p:nvPr>
+        </p:nvSpPr>
+        <p:spPr/>
+        <p:txBody>
+          <a:bodyPr/>
+          <a:lstStyle/>
+          <a:p>
+            <a:r>
+              <a:rPr lang="zh-CN" altLang="en-US" dirty="0" smtClean="0"/>
+              <a:t>分解数据库</a:t>
+            </a:r>
+            <a:endParaRPr lang="zh-CN" altLang="en-US" dirty="0"/>
+          </a:p>
+        </p:txBody>
+      </p:sp>
+      <p:sp>
+        <p:nvSpPr>
+          <p:cNvPr id="3" name="内容占位符 2"/>
+          <p:cNvSpPr>
+            <a:spLocks noGrp="1"/>
+          </p:cNvSpPr>
+          <p:nvPr>
+            <p:ph idx="1"/>
+          </p:nvPr>
+        </p:nvSpPr>
+        <p:spPr>
+          <a:xfrm>
+            <a:off x="1484311" y="2438399"/>
+            <a:ext cx="10018713" cy="3124201"/>
+          </a:xfrm>
+        </p:spPr>
+        <p:txBody>
+          <a:bodyPr>
+            <a:normAutofit/>
+          </a:bodyPr>
+          <a:lstStyle/>
+          <a:p>
+            <a:r>
+              <a:rPr lang="zh-CN" altLang="en-US" dirty="0" smtClean="0"/>
+              <a:t>打破外键关系</a:t>
+            </a:r>
+            <a:endParaRPr lang="en-US" altLang="zh-CN" dirty="0" smtClean="0"/>
+          </a:p>
+          <a:p>
+            <a:r>
+              <a:rPr lang="zh-CN" altLang="en-US" dirty="0" smtClean="0"/>
+              <a:t>共享静态数据</a:t>
+            </a:r>
+            <a:endParaRPr lang="en-US" altLang="zh-CN" dirty="0" smtClean="0"/>
+          </a:p>
+          <a:p>
+            <a:r>
+              <a:rPr lang="zh-CN" altLang="en-US" dirty="0" smtClean="0"/>
+              <a:t>共享数据</a:t>
+            </a:r>
+            <a:endParaRPr lang="en-US" altLang="zh-CN" dirty="0" smtClean="0"/>
+          </a:p>
+          <a:p>
+            <a:r>
+              <a:rPr lang="zh-CN" altLang="en-US" dirty="0" smtClean="0"/>
+              <a:t>共享表</a:t>
+            </a:r>
+            <a:endParaRPr lang="en-US" altLang="zh-CN" dirty="0" smtClean="0"/>
+          </a:p>
+        </p:txBody>
+      </p:sp>
+    </p:spTree>
+    <p:extLst>
+      <p:ext uri="{BB962C8B-B14F-4D97-AF65-F5344CB8AC3E}">
+        <p14:creationId xmlns:p14="http://schemas.microsoft.com/office/powerpoint/2010/main" val="1690234078"/>
+      </p:ext>
+    </p:extLst>
+  </p:cSld>
+  <p:clrMapOvr>
+    <a:masterClrMapping/>
+  </p:clrMapOvr>
+</p:sld>
+</file>
+
+<file path=ppt/slides/slide13.xml><?xml version="1.0" encoding="utf-8"?>
+<p:sld xmlns:a="http://schemas.openxmlformats.org/drawingml/2006/main" xmlns:r="http://schemas.openxmlformats.org/officeDocument/2006/relationships" xmlns:p="http://schemas.openxmlformats.org/presentationml/2006/main">
+  <p:cSld>
+    <p:spTree>
+      <p:nvGrpSpPr>
+        <p:cNvPr id="1" name=""/>
+        <p:cNvGrpSpPr/>
+        <p:nvPr/>
+      </p:nvGrpSpPr>
+      <p:grpSpPr>
+        <a:xfrm>
+          <a:off x="0" y="0"/>
+          <a:ext cx="0" cy="0"/>
+          <a:chOff x="0" y="0"/>
+          <a:chExt cx="0" cy="0"/>
+        </a:xfrm>
+      </p:grpSpPr>
+      <p:sp>
+        <p:nvSpPr>
+          <p:cNvPr id="2" name="标题 1"/>
+          <p:cNvSpPr>
+            <a:spLocks noGrp="1"/>
+          </p:cNvSpPr>
+          <p:nvPr>
+            <p:ph type="title"/>
+          </p:nvPr>
+        </p:nvSpPr>
+        <p:spPr/>
+        <p:txBody>
+          <a:bodyPr/>
+          <a:lstStyle/>
+          <a:p>
+            <a:r>
+              <a:rPr lang="zh-CN" altLang="en-US" dirty="0" smtClean="0"/>
+              <a:t>打破外键关系</a:t>
+            </a:r>
+            <a:endParaRPr lang="zh-CN" altLang="en-US" dirty="0"/>
+          </a:p>
+        </p:txBody>
+      </p:sp>
+      <p:pic>
+        <p:nvPicPr>
+          <p:cNvPr id="4" name="内容占位符 3"/>
+          <p:cNvPicPr>
+            <a:picLocks noGrp="1" noChangeAspect="1"/>
+          </p:cNvPicPr>
+          <p:nvPr>
+            <p:ph idx="1"/>
+          </p:nvPr>
+        </p:nvPicPr>
+        <p:blipFill>
+          <a:blip r:embed="rId2"/>
+          <a:stretch>
+            <a:fillRect/>
+          </a:stretch>
+        </p:blipFill>
+        <p:spPr>
+          <a:xfrm>
+            <a:off x="1713833" y="3215641"/>
+            <a:ext cx="9559667" cy="3368992"/>
+          </a:xfrm>
+          <a:prstGeom prst="rect">
+            <a:avLst/>
+          </a:prstGeom>
+        </p:spPr>
+      </p:pic>
+      <p:sp>
+        <p:nvSpPr>
+          <p:cNvPr id="5" name="文本框 4"/>
+          <p:cNvSpPr txBox="1"/>
+          <p:nvPr/>
+        </p:nvSpPr>
+        <p:spPr>
+          <a:xfrm>
+            <a:off x="3352800" y="2103120"/>
+            <a:ext cx="184731" cy="369332"/>
+          </a:xfrm>
+          <a:prstGeom prst="rect">
+            <a:avLst/>
+          </a:prstGeom>
+          <a:noFill/>
+        </p:spPr>
+        <p:txBody>
+          <a:bodyPr wrap="none" rtlCol="0">
+            <a:spAutoFit/>
+          </a:bodyPr>
+          <a:lstStyle/>
+          <a:p>
+            <a:endParaRPr lang="zh-CN" altLang="en-US" dirty="0"/>
+          </a:p>
+        </p:txBody>
+      </p:sp>
+      <p:sp>
+        <p:nvSpPr>
+          <p:cNvPr id="6" name="文本框 5"/>
+          <p:cNvSpPr txBox="1"/>
+          <p:nvPr/>
+        </p:nvSpPr>
+        <p:spPr>
+          <a:xfrm>
+            <a:off x="1889282" y="2083861"/>
+            <a:ext cx="9208768" cy="1200329"/>
+          </a:xfrm>
+          <a:prstGeom prst="rect">
+            <a:avLst/>
+          </a:prstGeom>
+          <a:noFill/>
+        </p:spPr>
+        <p:txBody>
+          <a:bodyPr wrap="square" rtlCol="0">
+            <a:spAutoFit/>
+          </a:bodyPr>
+          <a:lstStyle/>
+          <a:p>
+            <a:r>
+              <a:rPr lang="en-US" altLang="zh-CN" dirty="0" smtClean="0"/>
+              <a:t>“</a:t>
+            </a:r>
+            <a:r>
+              <a:rPr lang="zh-CN" altLang="en-US" dirty="0" smtClean="0"/>
+              <a:t>卖</a:t>
+            </a:r>
+            <a:r>
+              <a:rPr lang="zh-CN" altLang="en-US" dirty="0"/>
+              <a:t>了 </a:t>
+            </a:r>
+            <a:r>
+              <a:rPr lang="en-US" altLang="zh-CN" dirty="0"/>
+              <a:t>400</a:t>
+            </a:r>
+            <a:r>
+              <a:rPr lang="zh-CN" altLang="en-US" dirty="0"/>
+              <a:t>份</a:t>
+            </a:r>
+            <a:r>
+              <a:rPr lang="en-US" altLang="zh-CN" dirty="0" smtClean="0"/>
+              <a:t>SKU 2345</a:t>
+            </a:r>
+            <a:r>
+              <a:rPr lang="zh-CN" altLang="en-US" dirty="0"/>
+              <a:t>的副本，挣了</a:t>
+            </a:r>
+            <a:r>
+              <a:rPr lang="en-US" altLang="zh-CN" dirty="0"/>
+              <a:t>1300</a:t>
+            </a:r>
+            <a:r>
+              <a:rPr lang="zh-CN" altLang="en-US" dirty="0"/>
+              <a:t>美无”，而应该包含更多信息</a:t>
+            </a:r>
+            <a:r>
+              <a:rPr lang="zh-CN" altLang="en-US" dirty="0" smtClean="0"/>
+              <a:t>说明</a:t>
+            </a:r>
+            <a:endParaRPr lang="en-US" altLang="zh-CN" dirty="0" smtClean="0"/>
+          </a:p>
+          <a:p>
+            <a:r>
+              <a:rPr lang="zh-CN" altLang="en-US" dirty="0" smtClean="0"/>
+              <a:t>卖</a:t>
+            </a:r>
+            <a:r>
+              <a:rPr lang="zh-CN" altLang="en-US" dirty="0"/>
+              <a:t>的到底足什么（比如“我们卖了</a:t>
+            </a:r>
+            <a:r>
+              <a:rPr lang="en-US" altLang="zh-CN" dirty="0"/>
+              <a:t>400</a:t>
+            </a:r>
+            <a:r>
+              <a:rPr lang="zh-CN" altLang="en-US" dirty="0"/>
+              <a:t>份</a:t>
+            </a:r>
+            <a:r>
+              <a:rPr lang="en-US" altLang="zh-CN" dirty="0"/>
+              <a:t>XXX</a:t>
+            </a:r>
+            <a:r>
+              <a:rPr lang="zh-CN" altLang="en-US" dirty="0"/>
+              <a:t>，挣了 </a:t>
+            </a:r>
+            <a:r>
+              <a:rPr lang="en-US" altLang="zh-CN" dirty="0"/>
+              <a:t>1300</a:t>
+            </a:r>
+            <a:r>
+              <a:rPr lang="zh-CN" altLang="en-US" dirty="0"/>
+              <a:t>美元“</a:t>
+            </a:r>
+            <a:r>
+              <a:rPr lang="zh-CN" altLang="en-US" dirty="0" smtClean="0"/>
+              <a:t>），</a:t>
+            </a:r>
+            <a:endParaRPr lang="en-US" altLang="zh-CN" dirty="0" smtClean="0"/>
+          </a:p>
+          <a:p>
+            <a:r>
+              <a:rPr lang="zh-CN" altLang="en-US" dirty="0" smtClean="0"/>
+              <a:t>做到</a:t>
+            </a:r>
+            <a:r>
+              <a:rPr lang="zh-CN" altLang="en-US" dirty="0"/>
+              <a:t>这一点，财务包中生成报告的代码，需要从行条表中获取</a:t>
+            </a:r>
+            <a:r>
+              <a:rPr lang="en-US" altLang="zh-CN" dirty="0"/>
+              <a:t>SKU</a:t>
+            </a:r>
+            <a:r>
+              <a:rPr lang="zh-CN" altLang="en-US" dirty="0"/>
+              <a:t>的标题</a:t>
+            </a:r>
+            <a:r>
+              <a:rPr lang="zh-CN" altLang="en-US" dirty="0" smtClean="0"/>
+              <a:t>。</a:t>
+            </a:r>
+            <a:endParaRPr lang="en-US" altLang="zh-CN" dirty="0" smtClean="0"/>
+          </a:p>
+          <a:p>
+            <a:r>
+              <a:rPr lang="zh-CN" altLang="en-US" dirty="0" smtClean="0"/>
+              <a:t>总账</a:t>
+            </a:r>
+            <a:r>
+              <a:rPr lang="zh-CN" altLang="en-US" dirty="0"/>
+              <a:t>表和行条目标之间可能还存在外键约束</a:t>
+            </a:r>
+          </a:p>
+        </p:txBody>
+      </p:sp>
+    </p:spTree>
+    <p:extLst>
+      <p:ext uri="{BB962C8B-B14F-4D97-AF65-F5344CB8AC3E}">
+        <p14:creationId xmlns:p14="http://schemas.microsoft.com/office/powerpoint/2010/main" val="3553810438"/>
+      </p:ext>
+    </p:extLst>
+  </p:cSld>
+  <p:clrMapOvr>
+    <a:masterClrMapping/>
+  </p:clrMapOvr>
+</p:sld>
+</file>
+
+<file path=ppt/slides/slide14.xml><?xml version="1.0" encoding="utf-8"?>
+<p:sld xmlns:a="http://schemas.openxmlformats.org/drawingml/2006/main" xmlns:r="http://schemas.openxmlformats.org/officeDocument/2006/relationships" xmlns:p="http://schemas.openxmlformats.org/presentationml/2006/main">
+  <p:cSld>
+    <p:spTree>
+      <p:nvGrpSpPr>
+        <p:cNvPr id="1" name=""/>
+        <p:cNvGrpSpPr/>
+        <p:nvPr/>
+      </p:nvGrpSpPr>
+      <p:grpSpPr>
+        <a:xfrm>
+          <a:off x="0" y="0"/>
+          <a:ext cx="0" cy="0"/>
+          <a:chOff x="0" y="0"/>
+          <a:chExt cx="0" cy="0"/>
+        </a:xfrm>
+      </p:grpSpPr>
+      <p:sp>
+        <p:nvSpPr>
+          <p:cNvPr id="2" name="标题 1"/>
+          <p:cNvSpPr>
+            <a:spLocks noGrp="1"/>
+          </p:cNvSpPr>
+          <p:nvPr>
+            <p:ph type="title"/>
+          </p:nvPr>
+        </p:nvSpPr>
+        <p:spPr/>
+        <p:txBody>
+          <a:bodyPr/>
+          <a:lstStyle/>
+          <a:p>
+            <a:r>
+              <a:rPr lang="zh-CN" altLang="en-US" dirty="0" smtClean="0"/>
+              <a:t>打破外键关系</a:t>
+            </a:r>
+            <a:endParaRPr lang="zh-CN" altLang="en-US" dirty="0"/>
+          </a:p>
+        </p:txBody>
+      </p:sp>
+      <p:sp>
+        <p:nvSpPr>
+          <p:cNvPr id="5" name="文本框 4"/>
+          <p:cNvSpPr txBox="1"/>
+          <p:nvPr/>
+        </p:nvSpPr>
+        <p:spPr>
+          <a:xfrm>
+            <a:off x="3352800" y="2103120"/>
+            <a:ext cx="184731" cy="369332"/>
+          </a:xfrm>
+          <a:prstGeom prst="rect">
+            <a:avLst/>
+          </a:prstGeom>
+          <a:noFill/>
+        </p:spPr>
+        <p:txBody>
+          <a:bodyPr wrap="none" rtlCol="0">
+            <a:spAutoFit/>
+          </a:bodyPr>
+          <a:lstStyle/>
+          <a:p>
+            <a:endParaRPr lang="zh-CN" altLang="en-US" dirty="0"/>
+          </a:p>
+        </p:txBody>
+      </p:sp>
+      <p:pic>
+        <p:nvPicPr>
+          <p:cNvPr id="7" name="内容占位符 6"/>
+          <p:cNvPicPr>
+            <a:picLocks noGrp="1" noChangeAspect="1"/>
+          </p:cNvPicPr>
+          <p:nvPr>
+            <p:ph idx="1"/>
+          </p:nvPr>
+        </p:nvPicPr>
+        <p:blipFill>
+          <a:blip r:embed="rId2"/>
+          <a:stretch>
+            <a:fillRect/>
+          </a:stretch>
+        </p:blipFill>
+        <p:spPr>
+          <a:xfrm>
+            <a:off x="1202743" y="2287786"/>
+            <a:ext cx="10300281" cy="3688080"/>
+          </a:xfrm>
+          <a:prstGeom prst="rect">
+            <a:avLst/>
+          </a:prstGeom>
+        </p:spPr>
+      </p:pic>
+    </p:spTree>
+    <p:extLst>
+      <p:ext uri="{BB962C8B-B14F-4D97-AF65-F5344CB8AC3E}">
+        <p14:creationId xmlns:p14="http://schemas.microsoft.com/office/powerpoint/2010/main" val="1400097143"/>
+      </p:ext>
+    </p:extLst>
+  </p:cSld>
+  <p:clrMapOvr>
+    <a:masterClrMapping/>
+  </p:clrMapOvr>
+</p:sld>
+</file>
+
+<file path=ppt/slides/slide15.xml><?xml version="1.0" encoding="utf-8"?>
+<p:sld xmlns:a="http://schemas.openxmlformats.org/drawingml/2006/main" xmlns:r="http://schemas.openxmlformats.org/officeDocument/2006/relationships" xmlns:p="http://schemas.openxmlformats.org/presentationml/2006/main">
+  <p:cSld>
+    <p:spTree>
+      <p:nvGrpSpPr>
+        <p:cNvPr id="1" name=""/>
+        <p:cNvGrpSpPr/>
+        <p:nvPr/>
+      </p:nvGrpSpPr>
+      <p:grpSpPr>
+        <a:xfrm>
+          <a:off x="0" y="0"/>
+          <a:ext cx="0" cy="0"/>
+          <a:chOff x="0" y="0"/>
+          <a:chExt cx="0" cy="0"/>
+        </a:xfrm>
+      </p:grpSpPr>
+      <p:sp>
+        <p:nvSpPr>
+          <p:cNvPr id="2" name="标题 1"/>
+          <p:cNvSpPr>
+            <a:spLocks noGrp="1"/>
+          </p:cNvSpPr>
+          <p:nvPr>
+            <p:ph type="title"/>
+          </p:nvPr>
+        </p:nvSpPr>
+        <p:spPr/>
+        <p:txBody>
+          <a:bodyPr/>
+          <a:lstStyle/>
+          <a:p>
+            <a:r>
+              <a:rPr lang="zh-CN" altLang="en-US" dirty="0" smtClean="0"/>
+              <a:t>打破外键关系</a:t>
+            </a:r>
+            <a:endParaRPr lang="zh-CN" altLang="en-US" dirty="0"/>
+          </a:p>
+        </p:txBody>
+      </p:sp>
+      <p:sp>
+        <p:nvSpPr>
+          <p:cNvPr id="5" name="文本框 4"/>
+          <p:cNvSpPr txBox="1"/>
+          <p:nvPr/>
+        </p:nvSpPr>
+        <p:spPr>
+          <a:xfrm>
+            <a:off x="3352800" y="2103120"/>
+            <a:ext cx="184731" cy="369332"/>
+          </a:xfrm>
+          <a:prstGeom prst="rect">
+            <a:avLst/>
+          </a:prstGeom>
+          <a:noFill/>
+        </p:spPr>
+        <p:txBody>
+          <a:bodyPr wrap="none" rtlCol="0">
+            <a:spAutoFit/>
+          </a:bodyPr>
+          <a:lstStyle/>
+          <a:p>
+            <a:endParaRPr lang="zh-CN" altLang="en-US" dirty="0"/>
+          </a:p>
+        </p:txBody>
+      </p:sp>
+      <p:sp>
+        <p:nvSpPr>
+          <p:cNvPr id="3" name="内容占位符 2"/>
+          <p:cNvSpPr>
+            <a:spLocks noGrp="1"/>
+          </p:cNvSpPr>
+          <p:nvPr>
+            <p:ph idx="1"/>
+          </p:nvPr>
+        </p:nvSpPr>
+        <p:spPr/>
+        <p:txBody>
+          <a:bodyPr/>
+          <a:lstStyle/>
+          <a:p>
+            <a:r>
+              <a:rPr lang="zh-CN" altLang="en-US" dirty="0" smtClean="0"/>
+              <a:t>弊端</a:t>
+            </a:r>
+            <a:endParaRPr lang="en-US" altLang="zh-CN" dirty="0" smtClean="0"/>
+          </a:p>
+          <a:p>
+            <a:pPr lvl="1"/>
+            <a:r>
+              <a:rPr lang="zh-CN" altLang="en-US" dirty="0" smtClean="0"/>
+              <a:t>性能（响应慢，可接受的范围决定）</a:t>
+            </a:r>
+            <a:endParaRPr lang="en-US" altLang="zh-CN" dirty="0" smtClean="0"/>
+          </a:p>
+          <a:p>
+            <a:pPr lvl="1"/>
+            <a:r>
+              <a:rPr lang="zh-CN" altLang="en-US" dirty="0" smtClean="0"/>
+              <a:t>数据一致性</a:t>
+            </a:r>
+            <a:endParaRPr lang="zh-CN" altLang="en-US" dirty="0"/>
+          </a:p>
+        </p:txBody>
+      </p:sp>
+    </p:spTree>
+    <p:extLst>
+      <p:ext uri="{BB962C8B-B14F-4D97-AF65-F5344CB8AC3E}">
+        <p14:creationId xmlns:p14="http://schemas.microsoft.com/office/powerpoint/2010/main" val="145147651"/>
+      </p:ext>
+    </p:extLst>
+  </p:cSld>
+  <p:clrMapOvr>
+    <a:masterClrMapping/>
+  </p:clrMapOvr>
+</p:sld>
+</file>
+
+<file path=ppt/slides/slide16.xml><?xml version="1.0" encoding="utf-8"?>
+<p:sld xmlns:a="http://schemas.openxmlformats.org/drawingml/2006/main" xmlns:r="http://schemas.openxmlformats.org/officeDocument/2006/relationships" xmlns:p="http://schemas.openxmlformats.org/presentationml/2006/main">
+  <p:cSld>
+    <p:spTree>
+      <p:nvGrpSpPr>
+        <p:cNvPr id="1" name=""/>
+        <p:cNvGrpSpPr/>
+        <p:nvPr/>
+      </p:nvGrpSpPr>
+      <p:grpSpPr>
+        <a:xfrm>
+          <a:off x="0" y="0"/>
+          <a:ext cx="0" cy="0"/>
+          <a:chOff x="0" y="0"/>
+          <a:chExt cx="0" cy="0"/>
+        </a:xfrm>
+      </p:grpSpPr>
+      <p:sp>
+        <p:nvSpPr>
+          <p:cNvPr id="2" name="标题 1"/>
+          <p:cNvSpPr>
+            <a:spLocks noGrp="1"/>
+          </p:cNvSpPr>
+          <p:nvPr>
+            <p:ph type="title"/>
+          </p:nvPr>
+        </p:nvSpPr>
+        <p:spPr/>
+        <p:txBody>
+          <a:bodyPr/>
+          <a:lstStyle/>
+          <a:p>
+            <a:r>
+              <a:rPr lang="zh-CN" altLang="en-US" dirty="0" smtClean="0"/>
+              <a:t>共享静态数据</a:t>
+            </a:r>
+            <a:endParaRPr lang="zh-CN" altLang="en-US" dirty="0"/>
+          </a:p>
+        </p:txBody>
+      </p:sp>
+      <p:pic>
+        <p:nvPicPr>
+          <p:cNvPr id="4" name="内容占位符 3"/>
+          <p:cNvPicPr>
+            <a:picLocks noGrp="1" noChangeAspect="1"/>
+          </p:cNvPicPr>
+          <p:nvPr>
+            <p:ph idx="1"/>
+          </p:nvPr>
+        </p:nvPicPr>
+        <p:blipFill>
+          <a:blip r:embed="rId2">
+            <a:extLst>
+              <a:ext uri="{28A0092B-C50C-407E-A947-70E740481C1C}">
+                <a14:useLocalDpi xmlns:a14="http://schemas.microsoft.com/office/drawing/2010/main" val="0"/>
+              </a:ext>
+            </a:extLst>
+          </a:blip>
+          <a:stretch>
+            <a:fillRect/>
+          </a:stretch>
+        </p:blipFill>
+        <p:spPr>
+          <a:xfrm>
+            <a:off x="1601107" y="2286001"/>
+            <a:ext cx="9362959" cy="3511110"/>
+          </a:xfrm>
+        </p:spPr>
+      </p:pic>
+    </p:spTree>
+    <p:extLst>
+      <p:ext uri="{BB962C8B-B14F-4D97-AF65-F5344CB8AC3E}">
+        <p14:creationId xmlns:p14="http://schemas.microsoft.com/office/powerpoint/2010/main" val="1657433967"/>
+      </p:ext>
+    </p:extLst>
+  </p:cSld>
+  <p:clrMapOvr>
+    <a:masterClrMapping/>
+  </p:clrMapOvr>
+</p:sld>
+</file>
+
+<file path=ppt/slides/slide17.xml><?xml version="1.0" encoding="utf-8"?>
+<p:sld xmlns:a="http://schemas.openxmlformats.org/drawingml/2006/main" xmlns:r="http://schemas.openxmlformats.org/officeDocument/2006/relationships" xmlns:p="http://schemas.openxmlformats.org/presentationml/2006/main">
+  <p:cSld>
+    <p:spTree>
+      <p:nvGrpSpPr>
+        <p:cNvPr id="1" name=""/>
+        <p:cNvGrpSpPr/>
+        <p:nvPr/>
+      </p:nvGrpSpPr>
+      <p:grpSpPr>
+        <a:xfrm>
+          <a:off x="0" y="0"/>
+          <a:ext cx="0" cy="0"/>
+          <a:chOff x="0" y="0"/>
+          <a:chExt cx="0" cy="0"/>
+        </a:xfrm>
+      </p:grpSpPr>
+      <p:sp>
+        <p:nvSpPr>
+          <p:cNvPr id="2" name="标题 1"/>
+          <p:cNvSpPr>
+            <a:spLocks noGrp="1"/>
+          </p:cNvSpPr>
+          <p:nvPr>
+            <p:ph type="title"/>
+          </p:nvPr>
+        </p:nvSpPr>
+        <p:spPr/>
+        <p:txBody>
+          <a:bodyPr/>
+          <a:lstStyle/>
+          <a:p>
+            <a:r>
+              <a:rPr lang="zh-CN" altLang="en-US" dirty="0" smtClean="0"/>
+              <a:t>共享静态数据</a:t>
+            </a:r>
+            <a:endParaRPr lang="zh-CN" altLang="en-US" dirty="0"/>
+          </a:p>
+        </p:txBody>
+      </p:sp>
+      <p:sp>
+        <p:nvSpPr>
+          <p:cNvPr id="3" name="内容占位符 2"/>
+          <p:cNvSpPr>
+            <a:spLocks noGrp="1"/>
+          </p:cNvSpPr>
+          <p:nvPr>
+            <p:ph idx="1"/>
+          </p:nvPr>
+        </p:nvSpPr>
+        <p:spPr/>
+        <p:txBody>
+          <a:bodyPr/>
+          <a:lstStyle/>
+          <a:p>
+            <a:r>
+              <a:rPr lang="zh-CN" altLang="en-US" dirty="0" smtClean="0"/>
+              <a:t>每个服务表中留存一份复制（存在数据一致性问题）</a:t>
+            </a:r>
+            <a:endParaRPr lang="en-US" altLang="zh-CN" dirty="0" smtClean="0"/>
+          </a:p>
+          <a:p>
+            <a:r>
+              <a:rPr lang="zh-CN" altLang="en-US" dirty="0" smtClean="0"/>
+              <a:t>共享数据放入代码（依然存在数据一致性问题）</a:t>
+            </a:r>
+            <a:endParaRPr lang="en-US" altLang="zh-CN" dirty="0" smtClean="0"/>
+          </a:p>
+          <a:p>
+            <a:r>
+              <a:rPr lang="zh-CN" altLang="en-US" dirty="0" smtClean="0"/>
+              <a:t>静态统一的数据单独一个服务（如果共享数据量变大，是个合理的选择）</a:t>
+            </a:r>
+            <a:endParaRPr lang="zh-CN" altLang="en-US" dirty="0"/>
+          </a:p>
+        </p:txBody>
+      </p:sp>
+    </p:spTree>
+    <p:extLst>
+      <p:ext uri="{BB962C8B-B14F-4D97-AF65-F5344CB8AC3E}">
+        <p14:creationId xmlns:p14="http://schemas.microsoft.com/office/powerpoint/2010/main" val="1800932199"/>
+      </p:ext>
+    </p:extLst>
+  </p:cSld>
+  <p:clrMapOvr>
+    <a:masterClrMapping/>
+  </p:clrMapOvr>
+</p:sld>
+</file>
+
+<file path=ppt/slides/slide18.xml><?xml version="1.0" encoding="utf-8"?>
+<p:sld xmlns:a="http://schemas.openxmlformats.org/drawingml/2006/main" xmlns:r="http://schemas.openxmlformats.org/officeDocument/2006/relationships" xmlns:p="http://schemas.openxmlformats.org/presentationml/2006/main">
+  <p:cSld>
+    <p:spTree>
+      <p:nvGrpSpPr>
+        <p:cNvPr id="1" name=""/>
+        <p:cNvGrpSpPr/>
+        <p:nvPr/>
+      </p:nvGrpSpPr>
+      <p:grpSpPr>
+        <a:xfrm>
+          <a:off x="0" y="0"/>
+          <a:ext cx="0" cy="0"/>
+          <a:chOff x="0" y="0"/>
+          <a:chExt cx="0" cy="0"/>
+        </a:xfrm>
+      </p:grpSpPr>
+      <p:sp>
+        <p:nvSpPr>
+          <p:cNvPr id="2" name="标题 1"/>
+          <p:cNvSpPr>
+            <a:spLocks noGrp="1"/>
+          </p:cNvSpPr>
+          <p:nvPr>
+            <p:ph type="title"/>
+          </p:nvPr>
+        </p:nvSpPr>
+        <p:spPr/>
+        <p:txBody>
+          <a:bodyPr/>
+          <a:lstStyle/>
+          <a:p>
+            <a:r>
+              <a:rPr lang="zh-CN" altLang="en-US" dirty="0" smtClean="0"/>
+              <a:t>共享数据</a:t>
+            </a:r>
+            <a:endParaRPr lang="zh-CN" altLang="en-US" dirty="0"/>
+          </a:p>
+        </p:txBody>
+      </p:sp>
+      <p:sp>
+        <p:nvSpPr>
+          <p:cNvPr id="3" name="内容占位符 2"/>
+          <p:cNvSpPr>
+            <a:spLocks noGrp="1"/>
+          </p:cNvSpPr>
+          <p:nvPr>
+            <p:ph idx="1"/>
+          </p:nvPr>
+        </p:nvSpPr>
+        <p:spPr>
+          <a:xfrm>
+            <a:off x="1789111" y="2017394"/>
+            <a:ext cx="10018713" cy="1478280"/>
+          </a:xfrm>
+        </p:spPr>
+        <p:txBody>
+          <a:bodyPr>
+            <a:normAutofit/>
+          </a:bodyPr>
+          <a:lstStyle/>
+          <a:p>
+            <a:r>
+              <a:rPr lang="zh-CN" altLang="en-US" dirty="0" smtClean="0"/>
+              <a:t>财务追踪客户产生的订单信息（包括退货和退款）</a:t>
+            </a:r>
+            <a:endParaRPr lang="en-US" altLang="zh-CN" dirty="0" smtClean="0"/>
+          </a:p>
+          <a:p>
+            <a:r>
+              <a:rPr lang="zh-CN" altLang="en-US" dirty="0" smtClean="0"/>
+              <a:t>仓库在客户订单被分发或者接受之后更新订单信息</a:t>
+            </a:r>
+            <a:endParaRPr lang="en-US" altLang="zh-CN" dirty="0" smtClean="0"/>
+          </a:p>
+        </p:txBody>
+      </p:sp>
+      <p:pic>
+        <p:nvPicPr>
+          <p:cNvPr id="5" name="图片 4"/>
+          <p:cNvPicPr>
+            <a:picLocks noChangeAspect="1"/>
+          </p:cNvPicPr>
+          <p:nvPr/>
+        </p:nvPicPr>
+        <p:blipFill>
+          <a:blip r:embed="rId2"/>
+          <a:stretch>
+            <a:fillRect/>
+          </a:stretch>
+        </p:blipFill>
+        <p:spPr>
+          <a:xfrm>
+            <a:off x="1789111" y="3352800"/>
+            <a:ext cx="8913680" cy="3301363"/>
+          </a:xfrm>
+          <a:prstGeom prst="rect">
+            <a:avLst/>
+          </a:prstGeom>
+        </p:spPr>
+      </p:pic>
+    </p:spTree>
+    <p:extLst>
+      <p:ext uri="{BB962C8B-B14F-4D97-AF65-F5344CB8AC3E}">
+        <p14:creationId xmlns:p14="http://schemas.microsoft.com/office/powerpoint/2010/main" val="862543639"/>
+      </p:ext>
+    </p:extLst>
+  </p:cSld>
+  <p:clrMapOvr>
+    <a:masterClrMapping/>
+  </p:clrMapOvr>
+</p:sld>
+</file>
+
+<file path=ppt/slides/slide19.xml><?xml version="1.0" encoding="utf-8"?>
+<p:sld xmlns:a="http://schemas.openxmlformats.org/drawingml/2006/main" xmlns:r="http://schemas.openxmlformats.org/officeDocument/2006/relationships" xmlns:p="http://schemas.openxmlformats.org/presentationml/2006/main">
+  <p:cSld>
+    <p:spTree>
+      <p:nvGrpSpPr>
+        <p:cNvPr id="1" name=""/>
+        <p:cNvGrpSpPr/>
+        <p:nvPr/>
+      </p:nvGrpSpPr>
+      <p:grpSpPr>
+        <a:xfrm>
+          <a:off x="0" y="0"/>
+          <a:ext cx="0" cy="0"/>
+          <a:chOff x="0" y="0"/>
+          <a:chExt cx="0" cy="0"/>
+        </a:xfrm>
+      </p:grpSpPr>
+      <p:sp>
+        <p:nvSpPr>
+          <p:cNvPr id="2" name="标题 1"/>
+          <p:cNvSpPr>
+            <a:spLocks noGrp="1"/>
+          </p:cNvSpPr>
+          <p:nvPr>
+            <p:ph type="title"/>
+          </p:nvPr>
+        </p:nvSpPr>
+        <p:spPr/>
+        <p:txBody>
+          <a:bodyPr/>
+          <a:lstStyle/>
+          <a:p>
+            <a:r>
+              <a:rPr lang="zh-CN" altLang="en-US" dirty="0" smtClean="0"/>
+              <a:t>共享数据</a:t>
+            </a:r>
+            <a:endParaRPr lang="zh-CN" altLang="en-US" dirty="0"/>
+          </a:p>
+        </p:txBody>
+      </p:sp>
+      <p:pic>
+        <p:nvPicPr>
+          <p:cNvPr id="6" name="内容占位符 3"/>
+          <p:cNvPicPr>
+            <a:picLocks noGrp="1" noChangeAspect="1"/>
+          </p:cNvPicPr>
+          <p:nvPr>
+            <p:ph idx="1"/>
+          </p:nvPr>
+        </p:nvPicPr>
+        <p:blipFill>
+          <a:blip r:embed="rId2"/>
+          <a:stretch>
+            <a:fillRect/>
+          </a:stretch>
+        </p:blipFill>
+        <p:spPr>
+          <a:xfrm>
+            <a:off x="976789" y="2438399"/>
+            <a:ext cx="10730678" cy="3517582"/>
+          </a:xfrm>
+          <a:prstGeom prst="rect">
+            <a:avLst/>
+          </a:prstGeom>
+        </p:spPr>
+      </p:pic>
+    </p:spTree>
+    <p:extLst>
+      <p:ext uri="{BB962C8B-B14F-4D97-AF65-F5344CB8AC3E}">
+        <p14:creationId xmlns:p14="http://schemas.microsoft.com/office/powerpoint/2010/main" val="3724641206"/>
+      </p:ext>
+    </p:extLst>
+  </p:cSld>
+  <p:clrMapOvr>
+    <a:masterClrMapping/>
+  </p:clrMapOvr>
+</p:sld>
+</file>
+
 <file path=ppt/slides/slide2.xml><?xml version="1.0" encoding="utf-8"?>
 <p:sld xmlns:a="http://schemas.openxmlformats.org/drawingml/2006/main" xmlns:r="http://schemas.openxmlformats.org/officeDocument/2006/relationships" xmlns:p="http://schemas.openxmlformats.org/presentationml/2006/main">
   <p:cSld>
@@ -6834,6 +7926,332 @@
       </p:par>
     </p:tnLst>
   </p:timing>
+</p:sld>
+</file>
+
+<file path=ppt/slides/slide20.xml><?xml version="1.0" encoding="utf-8"?>
+<p:sld xmlns:a="http://schemas.openxmlformats.org/drawingml/2006/main" xmlns:r="http://schemas.openxmlformats.org/officeDocument/2006/relationships" xmlns:p="http://schemas.openxmlformats.org/presentationml/2006/main">
+  <p:cSld>
+    <p:spTree>
+      <p:nvGrpSpPr>
+        <p:cNvPr id="1" name=""/>
+        <p:cNvGrpSpPr/>
+        <p:nvPr/>
+      </p:nvGrpSpPr>
+      <p:grpSpPr>
+        <a:xfrm>
+          <a:off x="0" y="0"/>
+          <a:ext cx="0" cy="0"/>
+          <a:chOff x="0" y="0"/>
+          <a:chExt cx="0" cy="0"/>
+        </a:xfrm>
+      </p:grpSpPr>
+      <p:sp>
+        <p:nvSpPr>
+          <p:cNvPr id="2" name="标题 1"/>
+          <p:cNvSpPr>
+            <a:spLocks noGrp="1"/>
+          </p:cNvSpPr>
+          <p:nvPr>
+            <p:ph type="title"/>
+          </p:nvPr>
+        </p:nvSpPr>
+        <p:spPr/>
+        <p:txBody>
+          <a:bodyPr/>
+          <a:lstStyle/>
+          <a:p>
+            <a:r>
+              <a:rPr lang="zh-CN" altLang="en-US" dirty="0" smtClean="0"/>
+              <a:t>共享表</a:t>
+            </a:r>
+            <a:endParaRPr lang="zh-CN" altLang="en-US" dirty="0"/>
+          </a:p>
+        </p:txBody>
+      </p:sp>
+      <p:pic>
+        <p:nvPicPr>
+          <p:cNvPr id="6" name="内容占位符 5"/>
+          <p:cNvPicPr>
+            <a:picLocks noGrp="1" noChangeAspect="1"/>
+          </p:cNvPicPr>
+          <p:nvPr>
+            <p:ph idx="1"/>
+          </p:nvPr>
+        </p:nvPicPr>
+        <p:blipFill>
+          <a:blip r:embed="rId2"/>
+          <a:stretch>
+            <a:fillRect/>
+          </a:stretch>
+        </p:blipFill>
+        <p:spPr>
+          <a:xfrm>
+            <a:off x="1484311" y="2270760"/>
+            <a:ext cx="9507524" cy="3660457"/>
+          </a:xfrm>
+          <a:prstGeom prst="rect">
+            <a:avLst/>
+          </a:prstGeom>
+        </p:spPr>
+      </p:pic>
+    </p:spTree>
+    <p:extLst>
+      <p:ext uri="{BB962C8B-B14F-4D97-AF65-F5344CB8AC3E}">
+        <p14:creationId xmlns:p14="http://schemas.microsoft.com/office/powerpoint/2010/main" val="1130428432"/>
+      </p:ext>
+    </p:extLst>
+  </p:cSld>
+  <p:clrMapOvr>
+    <a:masterClrMapping/>
+  </p:clrMapOvr>
+</p:sld>
+</file>
+
+<file path=ppt/slides/slide21.xml><?xml version="1.0" encoding="utf-8"?>
+<p:sld xmlns:a="http://schemas.openxmlformats.org/drawingml/2006/main" xmlns:r="http://schemas.openxmlformats.org/officeDocument/2006/relationships" xmlns:p="http://schemas.openxmlformats.org/presentationml/2006/main">
+  <p:cSld>
+    <p:spTree>
+      <p:nvGrpSpPr>
+        <p:cNvPr id="1" name=""/>
+        <p:cNvGrpSpPr/>
+        <p:nvPr/>
+      </p:nvGrpSpPr>
+      <p:grpSpPr>
+        <a:xfrm>
+          <a:off x="0" y="0"/>
+          <a:ext cx="0" cy="0"/>
+          <a:chOff x="0" y="0"/>
+          <a:chExt cx="0" cy="0"/>
+        </a:xfrm>
+      </p:grpSpPr>
+      <p:sp>
+        <p:nvSpPr>
+          <p:cNvPr id="2" name="标题 1"/>
+          <p:cNvSpPr>
+            <a:spLocks noGrp="1"/>
+          </p:cNvSpPr>
+          <p:nvPr>
+            <p:ph type="title"/>
+          </p:nvPr>
+        </p:nvSpPr>
+        <p:spPr/>
+        <p:txBody>
+          <a:bodyPr/>
+          <a:lstStyle/>
+          <a:p>
+            <a:r>
+              <a:rPr lang="zh-CN" altLang="en-US" dirty="0" smtClean="0"/>
+              <a:t>共享表</a:t>
+            </a:r>
+            <a:endParaRPr lang="zh-CN" altLang="en-US" dirty="0"/>
+          </a:p>
+        </p:txBody>
+      </p:sp>
+      <p:sp>
+        <p:nvSpPr>
+          <p:cNvPr id="3" name="内容占位符 2"/>
+          <p:cNvSpPr>
+            <a:spLocks noGrp="1"/>
+          </p:cNvSpPr>
+          <p:nvPr>
+            <p:ph idx="1"/>
+          </p:nvPr>
+        </p:nvSpPr>
+        <p:spPr/>
+        <p:txBody>
+          <a:bodyPr/>
+          <a:lstStyle/>
+          <a:p>
+            <a:endParaRPr lang="zh-CN" altLang="en-US"/>
+          </a:p>
+        </p:txBody>
+      </p:sp>
+      <p:pic>
+        <p:nvPicPr>
+          <p:cNvPr id="4" name="图片 3"/>
+          <p:cNvPicPr>
+            <a:picLocks noChangeAspect="1"/>
+          </p:cNvPicPr>
+          <p:nvPr/>
+        </p:nvPicPr>
+        <p:blipFill>
+          <a:blip r:embed="rId2"/>
+          <a:stretch>
+            <a:fillRect/>
+          </a:stretch>
+        </p:blipFill>
+        <p:spPr>
+          <a:xfrm>
+            <a:off x="1604309" y="2316955"/>
+            <a:ext cx="9778714" cy="3824287"/>
+          </a:xfrm>
+          <a:prstGeom prst="rect">
+            <a:avLst/>
+          </a:prstGeom>
+        </p:spPr>
+      </p:pic>
+    </p:spTree>
+    <p:extLst>
+      <p:ext uri="{BB962C8B-B14F-4D97-AF65-F5344CB8AC3E}">
+        <p14:creationId xmlns:p14="http://schemas.microsoft.com/office/powerpoint/2010/main" val="367971957"/>
+      </p:ext>
+    </p:extLst>
+  </p:cSld>
+  <p:clrMapOvr>
+    <a:masterClrMapping/>
+  </p:clrMapOvr>
+</p:sld>
+</file>
+
+<file path=ppt/slides/slide22.xml><?xml version="1.0" encoding="utf-8"?>
+<p:sld xmlns:a="http://schemas.openxmlformats.org/drawingml/2006/main" xmlns:r="http://schemas.openxmlformats.org/officeDocument/2006/relationships" xmlns:p="http://schemas.openxmlformats.org/presentationml/2006/main">
+  <p:cSld>
+    <p:spTree>
+      <p:nvGrpSpPr>
+        <p:cNvPr id="1" name=""/>
+        <p:cNvGrpSpPr/>
+        <p:nvPr/>
+      </p:nvGrpSpPr>
+      <p:grpSpPr>
+        <a:xfrm>
+          <a:off x="0" y="0"/>
+          <a:ext cx="0" cy="0"/>
+          <a:chOff x="0" y="0"/>
+          <a:chExt cx="0" cy="0"/>
+        </a:xfrm>
+      </p:grpSpPr>
+      <p:sp>
+        <p:nvSpPr>
+          <p:cNvPr id="2" name="标题 1"/>
+          <p:cNvSpPr>
+            <a:spLocks noGrp="1"/>
+          </p:cNvSpPr>
+          <p:nvPr>
+            <p:ph type="title"/>
+          </p:nvPr>
+        </p:nvSpPr>
+        <p:spPr/>
+        <p:txBody>
+          <a:bodyPr/>
+          <a:lstStyle/>
+          <a:p>
+            <a:r>
+              <a:rPr lang="zh-CN" altLang="en-US" dirty="0" smtClean="0"/>
+              <a:t>分离数据库步骤</a:t>
+            </a:r>
+            <a:endParaRPr lang="zh-CN" altLang="en-US" dirty="0"/>
+          </a:p>
+        </p:txBody>
+      </p:sp>
+      <p:pic>
+        <p:nvPicPr>
+          <p:cNvPr id="5" name="内容占位符 4"/>
+          <p:cNvPicPr>
+            <a:picLocks noGrp="1" noChangeAspect="1"/>
+          </p:cNvPicPr>
+          <p:nvPr>
+            <p:ph idx="1"/>
+          </p:nvPr>
+        </p:nvPicPr>
+        <p:blipFill>
+          <a:blip r:embed="rId2"/>
+          <a:stretch>
+            <a:fillRect/>
+          </a:stretch>
+        </p:blipFill>
+        <p:spPr>
+          <a:xfrm>
+            <a:off x="1640071" y="2316481"/>
+            <a:ext cx="9707191" cy="3910012"/>
+          </a:xfrm>
+          <a:prstGeom prst="rect">
+            <a:avLst/>
+          </a:prstGeom>
+        </p:spPr>
+      </p:pic>
+    </p:spTree>
+    <p:extLst>
+      <p:ext uri="{BB962C8B-B14F-4D97-AF65-F5344CB8AC3E}">
+        <p14:creationId xmlns:p14="http://schemas.microsoft.com/office/powerpoint/2010/main" val="4270740275"/>
+      </p:ext>
+    </p:extLst>
+  </p:cSld>
+  <p:clrMapOvr>
+    <a:masterClrMapping/>
+  </p:clrMapOvr>
+</p:sld>
+</file>
+
+<file path=ppt/slides/slide23.xml><?xml version="1.0" encoding="utf-8"?>
+<p:sld xmlns:a="http://schemas.openxmlformats.org/drawingml/2006/main" xmlns:r="http://schemas.openxmlformats.org/officeDocument/2006/relationships" xmlns:p="http://schemas.openxmlformats.org/presentationml/2006/main">
+  <p:cSld>
+    <p:spTree>
+      <p:nvGrpSpPr>
+        <p:cNvPr id="1" name=""/>
+        <p:cNvGrpSpPr/>
+        <p:nvPr/>
+      </p:nvGrpSpPr>
+      <p:grpSpPr>
+        <a:xfrm>
+          <a:off x="0" y="0"/>
+          <a:ext cx="0" cy="0"/>
+          <a:chOff x="0" y="0"/>
+          <a:chExt cx="0" cy="0"/>
+        </a:xfrm>
+      </p:grpSpPr>
+      <p:sp>
+        <p:nvSpPr>
+          <p:cNvPr id="2" name="标题 1"/>
+          <p:cNvSpPr>
+            <a:spLocks noGrp="1"/>
+          </p:cNvSpPr>
+          <p:nvPr>
+            <p:ph type="title"/>
+          </p:nvPr>
+        </p:nvSpPr>
+        <p:spPr/>
+        <p:txBody>
+          <a:bodyPr/>
+          <a:lstStyle/>
+          <a:p>
+            <a:r>
+              <a:rPr lang="zh-CN" altLang="en-US" dirty="0"/>
+              <a:t>事务</a:t>
+            </a:r>
+            <a:endParaRPr lang="zh-CN" altLang="en-US" dirty="0"/>
+          </a:p>
+        </p:txBody>
+      </p:sp>
+      <p:sp>
+        <p:nvSpPr>
+          <p:cNvPr id="3" name="内容占位符 2"/>
+          <p:cNvSpPr>
+            <a:spLocks noGrp="1"/>
+          </p:cNvSpPr>
+          <p:nvPr>
+            <p:ph idx="1"/>
+          </p:nvPr>
+        </p:nvSpPr>
+        <p:spPr/>
+        <p:txBody>
+          <a:bodyPr/>
+          <a:lstStyle/>
+          <a:p>
+            <a:endParaRPr lang="zh-CN" altLang="en-US"/>
+          </a:p>
+        </p:txBody>
+      </p:sp>
+    </p:spTree>
+    <p:extLst>
+      <p:ext uri="{BB962C8B-B14F-4D97-AF65-F5344CB8AC3E}">
+        <p14:creationId xmlns:p14="http://schemas.microsoft.com/office/powerpoint/2010/main" val="323005933"/>
+      </p:ext>
+    </p:extLst>
+  </p:cSld>
+  <p:clrMapOvr>
+    <a:masterClrMapping/>
+  </p:clrMapOvr>
 </p:sld>
 </file>
 
@@ -7597,7 +9015,7 @@
         <a:sysClr val="windowText" lastClr="000000"/>
       </a:dk1>
       <a:lt1>
-        <a:sysClr val="window" lastClr="FFFFFF"/>
+        <a:sysClr val="window" lastClr="C8E8C8"/>
       </a:lt1>
       <a:dk2>
         <a:srgbClr val="212121"/>
@@ -7793,7 +9211,7 @@
         <a:sysClr val="windowText" lastClr="000000"/>
       </a:dk1>
       <a:lt1>
-        <a:sysClr val="window" lastClr="FFFFFF"/>
+        <a:sysClr val="window" lastClr="C8E8C8"/>
       </a:lt1>
       <a:dk2>
         <a:srgbClr val="44546A"/>

--- a/Micro Service.pptx
+++ b/Micro Service.pptx
@@ -5,7 +5,7 @@
     <p:sldMasterId id="2147483660" r:id="rId1"/>
   </p:sldMasterIdLst>
   <p:notesMasterIdLst>
-    <p:notesMasterId r:id="rId25"/>
+    <p:notesMasterId r:id="rId29"/>
   </p:notesMasterIdLst>
   <p:sldIdLst>
     <p:sldId id="256" r:id="rId2"/>
@@ -31,6 +31,10 @@
     <p:sldId id="280" r:id="rId22"/>
     <p:sldId id="281" r:id="rId23"/>
     <p:sldId id="282" r:id="rId24"/>
+    <p:sldId id="283" r:id="rId25"/>
+    <p:sldId id="285" r:id="rId26"/>
+    <p:sldId id="286" r:id="rId27"/>
+    <p:sldId id="284" r:id="rId28"/>
   </p:sldIdLst>
   <p:sldSz cx="12192000" cy="6858000"/>
   <p:notesSz cx="6858000" cy="9144000"/>
@@ -219,7 +223,7 @@
           <a:p>
             <a:fld id="{B85CB690-453F-4C54-9FD9-B4719876F28D}" type="datetimeFigureOut">
               <a:rPr lang="zh-CN" altLang="en-US" smtClean="0"/>
-              <a:t>2018/8/29</a:t>
+              <a:t>2018/8/30</a:t>
             </a:fld>
             <a:endParaRPr lang="zh-CN" altLang="en-US"/>
           </a:p>
@@ -1073,7 +1077,7 @@
           <a:p>
             <a:fld id="{B8394647-73FF-4A97-BB49-5C6BA88F0F87}" type="datetimeFigureOut">
               <a:rPr lang="zh-CN" altLang="en-US" smtClean="0"/>
-              <a:t>2018/8/29</a:t>
+              <a:t>2018/8/30</a:t>
             </a:fld>
             <a:endParaRPr lang="zh-CN" altLang="en-US"/>
           </a:p>
@@ -1369,7 +1373,7 @@
           <a:p>
             <a:fld id="{B8394647-73FF-4A97-BB49-5C6BA88F0F87}" type="datetimeFigureOut">
               <a:rPr lang="zh-CN" altLang="en-US" smtClean="0"/>
-              <a:t>2018/8/29</a:t>
+              <a:t>2018/8/30</a:t>
             </a:fld>
             <a:endParaRPr lang="zh-CN" altLang="en-US"/>
           </a:p>
@@ -1617,7 +1621,7 @@
           <a:p>
             <a:fld id="{B8394647-73FF-4A97-BB49-5C6BA88F0F87}" type="datetimeFigureOut">
               <a:rPr lang="zh-CN" altLang="en-US" smtClean="0"/>
-              <a:t>2018/8/29</a:t>
+              <a:t>2018/8/30</a:t>
             </a:fld>
             <a:endParaRPr lang="zh-CN" altLang="en-US"/>
           </a:p>
@@ -2157,7 +2161,7 @@
           <a:p>
             <a:fld id="{B8394647-73FF-4A97-BB49-5C6BA88F0F87}" type="datetimeFigureOut">
               <a:rPr lang="zh-CN" altLang="en-US" smtClean="0"/>
-              <a:t>2018/8/29</a:t>
+              <a:t>2018/8/30</a:t>
             </a:fld>
             <a:endParaRPr lang="zh-CN" altLang="en-US"/>
           </a:p>
@@ -2405,7 +2409,7 @@
           <a:p>
             <a:fld id="{B8394647-73FF-4A97-BB49-5C6BA88F0F87}" type="datetimeFigureOut">
               <a:rPr lang="zh-CN" altLang="en-US" smtClean="0"/>
-              <a:t>2018/8/29</a:t>
+              <a:t>2018/8/30</a:t>
             </a:fld>
             <a:endParaRPr lang="zh-CN" altLang="en-US"/>
           </a:p>
@@ -2937,7 +2941,7 @@
           <a:p>
             <a:fld id="{B8394647-73FF-4A97-BB49-5C6BA88F0F87}" type="datetimeFigureOut">
               <a:rPr lang="zh-CN" altLang="en-US" smtClean="0"/>
-              <a:t>2018/8/29</a:t>
+              <a:t>2018/8/30</a:t>
             </a:fld>
             <a:endParaRPr lang="zh-CN" altLang="en-US"/>
           </a:p>
@@ -3234,7 +3238,7 @@
           <a:p>
             <a:fld id="{B8394647-73FF-4A97-BB49-5C6BA88F0F87}" type="datetimeFigureOut">
               <a:rPr lang="zh-CN" altLang="en-US" smtClean="0"/>
-              <a:t>2018/8/29</a:t>
+              <a:t>2018/8/30</a:t>
             </a:fld>
             <a:endParaRPr lang="zh-CN" altLang="en-US"/>
           </a:p>
@@ -3408,7 +3412,7 @@
           <a:p>
             <a:fld id="{B8394647-73FF-4A97-BB49-5C6BA88F0F87}" type="datetimeFigureOut">
               <a:rPr lang="zh-CN" altLang="en-US" smtClean="0"/>
-              <a:t>2018/8/29</a:t>
+              <a:t>2018/8/30</a:t>
             </a:fld>
             <a:endParaRPr lang="zh-CN" altLang="en-US"/>
           </a:p>
@@ -3588,7 +3592,7 @@
           <a:p>
             <a:fld id="{B8394647-73FF-4A97-BB49-5C6BA88F0F87}" type="datetimeFigureOut">
               <a:rPr lang="zh-CN" altLang="en-US" smtClean="0"/>
-              <a:t>2018/8/29</a:t>
+              <a:t>2018/8/30</a:t>
             </a:fld>
             <a:endParaRPr lang="zh-CN" altLang="en-US"/>
           </a:p>
@@ -3758,7 +3762,7 @@
           <a:p>
             <a:fld id="{B8394647-73FF-4A97-BB49-5C6BA88F0F87}" type="datetimeFigureOut">
               <a:rPr lang="zh-CN" altLang="en-US" smtClean="0"/>
-              <a:t>2018/8/29</a:t>
+              <a:t>2018/8/30</a:t>
             </a:fld>
             <a:endParaRPr lang="zh-CN" altLang="en-US"/>
           </a:p>
@@ -4009,7 +4013,7 @@
           <a:p>
             <a:fld id="{B8394647-73FF-4A97-BB49-5C6BA88F0F87}" type="datetimeFigureOut">
               <a:rPr lang="zh-CN" altLang="en-US" smtClean="0"/>
-              <a:t>2018/8/29</a:t>
+              <a:t>2018/8/30</a:t>
             </a:fld>
             <a:endParaRPr lang="zh-CN" altLang="en-US"/>
           </a:p>
@@ -4306,7 +4310,7 @@
           <a:p>
             <a:fld id="{B8394647-73FF-4A97-BB49-5C6BA88F0F87}" type="datetimeFigureOut">
               <a:rPr lang="zh-CN" altLang="en-US" smtClean="0"/>
-              <a:t>2018/8/29</a:t>
+              <a:t>2018/8/30</a:t>
             </a:fld>
             <a:endParaRPr lang="zh-CN" altLang="en-US"/>
           </a:p>
@@ -4748,7 +4752,7 @@
           <a:p>
             <a:fld id="{B8394647-73FF-4A97-BB49-5C6BA88F0F87}" type="datetimeFigureOut">
               <a:rPr lang="zh-CN" altLang="en-US" smtClean="0"/>
-              <a:t>2018/8/29</a:t>
+              <a:t>2018/8/30</a:t>
             </a:fld>
             <a:endParaRPr lang="zh-CN" altLang="en-US"/>
           </a:p>
@@ -4866,7 +4870,7 @@
           <a:p>
             <a:fld id="{B8394647-73FF-4A97-BB49-5C6BA88F0F87}" type="datetimeFigureOut">
               <a:rPr lang="zh-CN" altLang="en-US" smtClean="0"/>
-              <a:t>2018/8/29</a:t>
+              <a:t>2018/8/30</a:t>
             </a:fld>
             <a:endParaRPr lang="zh-CN" altLang="en-US"/>
           </a:p>
@@ -4961,7 +4965,7 @@
           <a:p>
             <a:fld id="{B8394647-73FF-4A97-BB49-5C6BA88F0F87}" type="datetimeFigureOut">
               <a:rPr lang="zh-CN" altLang="en-US" smtClean="0"/>
-              <a:t>2018/8/29</a:t>
+              <a:t>2018/8/30</a:t>
             </a:fld>
             <a:endParaRPr lang="zh-CN" altLang="en-US"/>
           </a:p>
@@ -5244,7 +5248,7 @@
           <a:p>
             <a:fld id="{B8394647-73FF-4A97-BB49-5C6BA88F0F87}" type="datetimeFigureOut">
               <a:rPr lang="zh-CN" altLang="en-US" smtClean="0"/>
-              <a:t>2018/8/29</a:t>
+              <a:t>2018/8/30</a:t>
             </a:fld>
             <a:endParaRPr lang="zh-CN" altLang="en-US"/>
           </a:p>
@@ -5535,7 +5539,7 @@
           <a:p>
             <a:fld id="{B8394647-73FF-4A97-BB49-5C6BA88F0F87}" type="datetimeFigureOut">
               <a:rPr lang="zh-CN" altLang="en-US" smtClean="0"/>
-              <a:t>2018/8/29</a:t>
+              <a:t>2018/8/30</a:t>
             </a:fld>
             <a:endParaRPr lang="zh-CN" altLang="en-US"/>
           </a:p>
@@ -6065,7 +6069,7 @@
           <a:p>
             <a:fld id="{B8394647-73FF-4A97-BB49-5C6BA88F0F87}" type="datetimeFigureOut">
               <a:rPr lang="zh-CN" altLang="en-US" smtClean="0"/>
-              <a:t>2018/8/29</a:t>
+              <a:t>2018/8/30</a:t>
             </a:fld>
             <a:endParaRPr lang="zh-CN" altLang="en-US"/>
           </a:p>
@@ -8219,33 +8223,439 @@
               <a:rPr lang="zh-CN" altLang="en-US" dirty="0"/>
               <a:t>事务</a:t>
             </a:r>
-            <a:endParaRPr lang="zh-CN" altLang="en-US" dirty="0"/>
-          </a:p>
-        </p:txBody>
-      </p:sp>
-      <p:sp>
-        <p:nvSpPr>
-          <p:cNvPr id="3" name="内容占位符 2"/>
-          <p:cNvSpPr>
-            <a:spLocks noGrp="1"/>
-          </p:cNvSpPr>
+          </a:p>
+        </p:txBody>
+      </p:sp>
+      <p:pic>
+        <p:nvPicPr>
+          <p:cNvPr id="4" name="内容占位符 3"/>
+          <p:cNvPicPr>
+            <a:picLocks noGrp="1" noChangeAspect="1"/>
+          </p:cNvPicPr>
           <p:nvPr>
             <p:ph idx="1"/>
           </p:nvPr>
-        </p:nvSpPr>
-        <p:spPr/>
-        <p:txBody>
-          <a:bodyPr/>
-          <a:lstStyle/>
-          <a:p>
-            <a:endParaRPr lang="zh-CN" altLang="en-US"/>
-          </a:p>
-        </p:txBody>
-      </p:sp>
+        </p:nvPicPr>
+        <p:blipFill>
+          <a:blip r:embed="rId2"/>
+          <a:stretch>
+            <a:fillRect/>
+          </a:stretch>
+        </p:blipFill>
+        <p:spPr>
+          <a:xfrm>
+            <a:off x="1180938" y="2150320"/>
+            <a:ext cx="5312729" cy="4117366"/>
+          </a:xfrm>
+          <a:prstGeom prst="rect">
+            <a:avLst/>
+          </a:prstGeom>
+        </p:spPr>
+      </p:pic>
+      <p:pic>
+        <p:nvPicPr>
+          <p:cNvPr id="5" name="图片 4"/>
+          <p:cNvPicPr>
+            <a:picLocks noChangeAspect="1"/>
+          </p:cNvPicPr>
+          <p:nvPr/>
+        </p:nvPicPr>
+        <p:blipFill>
+          <a:blip r:embed="rId3"/>
+          <a:stretch>
+            <a:fillRect/>
+          </a:stretch>
+        </p:blipFill>
+        <p:spPr>
+          <a:xfrm>
+            <a:off x="7080884" y="2006141"/>
+            <a:ext cx="4547235" cy="4261545"/>
+          </a:xfrm>
+          <a:prstGeom prst="rect">
+            <a:avLst/>
+          </a:prstGeom>
+        </p:spPr>
+      </p:pic>
     </p:spTree>
     <p:extLst>
       <p:ext uri="{BB962C8B-B14F-4D97-AF65-F5344CB8AC3E}">
         <p14:creationId xmlns:p14="http://schemas.microsoft.com/office/powerpoint/2010/main" val="323005933"/>
+      </p:ext>
+    </p:extLst>
+  </p:cSld>
+  <p:clrMapOvr>
+    <a:masterClrMapping/>
+  </p:clrMapOvr>
+</p:sld>
+</file>
+
+<file path=ppt/slides/slide24.xml><?xml version="1.0" encoding="utf-8"?>
+<p:sld xmlns:a="http://schemas.openxmlformats.org/drawingml/2006/main" xmlns:r="http://schemas.openxmlformats.org/officeDocument/2006/relationships" xmlns:p="http://schemas.openxmlformats.org/presentationml/2006/main">
+  <p:cSld>
+    <p:spTree>
+      <p:nvGrpSpPr>
+        <p:cNvPr id="1" name=""/>
+        <p:cNvGrpSpPr/>
+        <p:nvPr/>
+      </p:nvGrpSpPr>
+      <p:grpSpPr>
+        <a:xfrm>
+          <a:off x="0" y="0"/>
+          <a:ext cx="0" cy="0"/>
+          <a:chOff x="0" y="0"/>
+          <a:chExt cx="0" cy="0"/>
+        </a:xfrm>
+      </p:grpSpPr>
+      <p:sp>
+        <p:nvSpPr>
+          <p:cNvPr id="2" name="标题 1"/>
+          <p:cNvSpPr>
+            <a:spLocks noGrp="1"/>
+          </p:cNvSpPr>
+          <p:nvPr>
+            <p:ph type="title"/>
+          </p:nvPr>
+        </p:nvSpPr>
+        <p:spPr/>
+        <p:txBody>
+          <a:bodyPr/>
+          <a:lstStyle/>
+          <a:p>
+            <a:r>
+              <a:rPr lang="zh-CN" altLang="en-US" dirty="0"/>
+              <a:t>事务</a:t>
+            </a:r>
+          </a:p>
+        </p:txBody>
+      </p:sp>
+      <p:sp>
+        <p:nvSpPr>
+          <p:cNvPr id="3" name="内容占位符 2"/>
+          <p:cNvSpPr>
+            <a:spLocks noGrp="1"/>
+          </p:cNvSpPr>
+          <p:nvPr>
+            <p:ph idx="1"/>
+          </p:nvPr>
+        </p:nvSpPr>
+        <p:spPr/>
+        <p:txBody>
+          <a:bodyPr/>
+          <a:lstStyle/>
+          <a:p>
+            <a:r>
+              <a:rPr lang="zh-CN" altLang="en-US" dirty="0" smtClean="0"/>
+              <a:t>最终一致性</a:t>
+            </a:r>
+            <a:endParaRPr lang="en-US" altLang="zh-CN" dirty="0" smtClean="0"/>
+          </a:p>
+          <a:p>
+            <a:r>
+              <a:rPr lang="zh-CN" altLang="en-US" dirty="0" smtClean="0"/>
+              <a:t>补偿事务（失败如何？）</a:t>
+            </a:r>
+            <a:endParaRPr lang="en-US" altLang="zh-CN" dirty="0" smtClean="0"/>
+          </a:p>
+          <a:p>
+            <a:r>
+              <a:rPr lang="zh-CN" altLang="en-US" dirty="0" smtClean="0"/>
+              <a:t>分布式事务（两阶段提交</a:t>
+            </a:r>
+            <a:r>
+              <a:rPr lang="en-US" altLang="zh-CN" dirty="0" smtClean="0"/>
+              <a:t>prepare-commit-rollback</a:t>
+            </a:r>
+            <a:r>
+              <a:rPr lang="zh-CN" altLang="en-US" dirty="0" smtClean="0"/>
+              <a:t>）</a:t>
+            </a:r>
+            <a:endParaRPr lang="en-US" altLang="zh-CN" dirty="0" smtClean="0"/>
+          </a:p>
+          <a:p>
+            <a:r>
+              <a:rPr lang="en-US" altLang="zh-CN" dirty="0" err="1"/>
+              <a:t>TCC</a:t>
+            </a:r>
+            <a:endParaRPr lang="en-US" altLang="zh-CN" dirty="0" smtClean="0"/>
+          </a:p>
+        </p:txBody>
+      </p:sp>
+    </p:spTree>
+    <p:extLst>
+      <p:ext uri="{BB962C8B-B14F-4D97-AF65-F5344CB8AC3E}">
+        <p14:creationId xmlns:p14="http://schemas.microsoft.com/office/powerpoint/2010/main" val="3452345978"/>
+      </p:ext>
+    </p:extLst>
+  </p:cSld>
+  <p:clrMapOvr>
+    <a:masterClrMapping/>
+  </p:clrMapOvr>
+</p:sld>
+</file>
+
+<file path=ppt/slides/slide25.xml><?xml version="1.0" encoding="utf-8"?>
+<p:sld xmlns:a="http://schemas.openxmlformats.org/drawingml/2006/main" xmlns:r="http://schemas.openxmlformats.org/officeDocument/2006/relationships" xmlns:p="http://schemas.openxmlformats.org/presentationml/2006/main">
+  <p:cSld>
+    <p:spTree>
+      <p:nvGrpSpPr>
+        <p:cNvPr id="1" name=""/>
+        <p:cNvGrpSpPr/>
+        <p:nvPr/>
+      </p:nvGrpSpPr>
+      <p:grpSpPr>
+        <a:xfrm>
+          <a:off x="0" y="0"/>
+          <a:ext cx="0" cy="0"/>
+          <a:chOff x="0" y="0"/>
+          <a:chExt cx="0" cy="0"/>
+        </a:xfrm>
+      </p:grpSpPr>
+      <p:sp>
+        <p:nvSpPr>
+          <p:cNvPr id="2" name="标题 1"/>
+          <p:cNvSpPr>
+            <a:spLocks noGrp="1"/>
+          </p:cNvSpPr>
+          <p:nvPr>
+            <p:ph type="title"/>
+          </p:nvPr>
+        </p:nvSpPr>
+        <p:spPr/>
+        <p:txBody>
+          <a:bodyPr/>
+          <a:lstStyle/>
+          <a:p>
+            <a:r>
+              <a:rPr lang="zh-CN" altLang="en-US" dirty="0"/>
+              <a:t>部署</a:t>
+            </a:r>
+            <a:endParaRPr lang="zh-CN" altLang="en-US" dirty="0"/>
+          </a:p>
+        </p:txBody>
+      </p:sp>
+      <p:sp>
+        <p:nvSpPr>
+          <p:cNvPr id="3" name="内容占位符 2"/>
+          <p:cNvSpPr>
+            <a:spLocks noGrp="1"/>
+          </p:cNvSpPr>
+          <p:nvPr>
+            <p:ph idx="1"/>
+          </p:nvPr>
+        </p:nvSpPr>
+        <p:spPr/>
+        <p:txBody>
+          <a:bodyPr/>
+          <a:lstStyle/>
+          <a:p>
+            <a:r>
+              <a:rPr lang="en-US" altLang="zh-CN" dirty="0" smtClean="0"/>
+              <a:t>CI</a:t>
+            </a:r>
+            <a:r>
+              <a:rPr lang="zh-CN" altLang="en-US" dirty="0" smtClean="0"/>
+              <a:t>（</a:t>
+            </a:r>
+            <a:r>
+              <a:rPr lang="en-US" altLang="zh-CN" dirty="0" smtClean="0"/>
+              <a:t>Continuous Integration </a:t>
+            </a:r>
+            <a:r>
+              <a:rPr lang="zh-CN" altLang="en-US" dirty="0" smtClean="0"/>
+              <a:t>持续集成）</a:t>
+            </a:r>
+            <a:endParaRPr lang="en-US" altLang="zh-CN" dirty="0" smtClean="0"/>
+          </a:p>
+        </p:txBody>
+      </p:sp>
+    </p:spTree>
+    <p:extLst>
+      <p:ext uri="{BB962C8B-B14F-4D97-AF65-F5344CB8AC3E}">
+        <p14:creationId xmlns:p14="http://schemas.microsoft.com/office/powerpoint/2010/main" val="1856414530"/>
+      </p:ext>
+    </p:extLst>
+  </p:cSld>
+  <p:clrMapOvr>
+    <a:masterClrMapping/>
+  </p:clrMapOvr>
+</p:sld>
+</file>
+
+<file path=ppt/slides/slide26.xml><?xml version="1.0" encoding="utf-8"?>
+<p:sld xmlns:a="http://schemas.openxmlformats.org/drawingml/2006/main" xmlns:r="http://schemas.openxmlformats.org/officeDocument/2006/relationships" xmlns:p="http://schemas.openxmlformats.org/presentationml/2006/main">
+  <p:cSld>
+    <p:spTree>
+      <p:nvGrpSpPr>
+        <p:cNvPr id="1" name=""/>
+        <p:cNvGrpSpPr/>
+        <p:nvPr/>
+      </p:nvGrpSpPr>
+      <p:grpSpPr>
+        <a:xfrm>
+          <a:off x="0" y="0"/>
+          <a:ext cx="0" cy="0"/>
+          <a:chOff x="0" y="0"/>
+          <a:chExt cx="0" cy="0"/>
+        </a:xfrm>
+      </p:grpSpPr>
+      <p:sp>
+        <p:nvSpPr>
+          <p:cNvPr id="2" name="标题 1"/>
+          <p:cNvSpPr>
+            <a:spLocks noGrp="1"/>
+          </p:cNvSpPr>
+          <p:nvPr>
+            <p:ph type="title"/>
+          </p:nvPr>
+        </p:nvSpPr>
+        <p:spPr/>
+        <p:txBody>
+          <a:bodyPr/>
+          <a:lstStyle/>
+          <a:p>
+            <a:r>
+              <a:rPr lang="en-US" altLang="zh-CN" dirty="0" smtClean="0"/>
+              <a:t>CI</a:t>
+            </a:r>
+            <a:r>
+              <a:rPr lang="zh-CN" altLang="en-US" dirty="0" smtClean="0"/>
+              <a:t>？</a:t>
+            </a:r>
+            <a:endParaRPr lang="zh-CN" altLang="en-US" dirty="0"/>
+          </a:p>
+        </p:txBody>
+      </p:sp>
+      <p:sp>
+        <p:nvSpPr>
+          <p:cNvPr id="3" name="内容占位符 2"/>
+          <p:cNvSpPr>
+            <a:spLocks noGrp="1"/>
+          </p:cNvSpPr>
+          <p:nvPr>
+            <p:ph idx="1"/>
+          </p:nvPr>
+        </p:nvSpPr>
+        <p:spPr/>
+        <p:txBody>
+          <a:bodyPr/>
+          <a:lstStyle/>
+          <a:p>
+            <a:r>
+              <a:rPr lang="zh-CN" altLang="en-US" dirty="0" smtClean="0"/>
+              <a:t>你是否每天签入代码到主线？</a:t>
+            </a:r>
+            <a:endParaRPr lang="en-US" altLang="zh-CN" dirty="0" smtClean="0"/>
+          </a:p>
+          <a:p>
+            <a:r>
+              <a:rPr lang="zh-CN" altLang="en-US" dirty="0" smtClean="0"/>
+              <a:t>你是否有一组测试来验证修改？</a:t>
+            </a:r>
+            <a:endParaRPr lang="en-US" altLang="zh-CN" dirty="0" smtClean="0"/>
+          </a:p>
+          <a:p>
+            <a:r>
+              <a:rPr lang="zh-CN" altLang="en-US" dirty="0" smtClean="0"/>
+              <a:t>当构建失败后，团队是否把修复</a:t>
+            </a:r>
+            <a:r>
+              <a:rPr lang="en-US" altLang="zh-CN" dirty="0" smtClean="0"/>
+              <a:t>CI</a:t>
+            </a:r>
+            <a:r>
+              <a:rPr lang="zh-CN" altLang="en-US" smtClean="0"/>
+              <a:t>当作第一优先级的事情来做？</a:t>
+            </a:r>
+            <a:endParaRPr lang="en-US" altLang="zh-CN" dirty="0" smtClean="0"/>
+          </a:p>
+        </p:txBody>
+      </p:sp>
+    </p:spTree>
+    <p:extLst>
+      <p:ext uri="{BB962C8B-B14F-4D97-AF65-F5344CB8AC3E}">
+        <p14:creationId xmlns:p14="http://schemas.microsoft.com/office/powerpoint/2010/main" val="1829134642"/>
+      </p:ext>
+    </p:extLst>
+  </p:cSld>
+  <p:clrMapOvr>
+    <a:masterClrMapping/>
+  </p:clrMapOvr>
+</p:sld>
+</file>
+
+<file path=ppt/slides/slide27.xml><?xml version="1.0" encoding="utf-8"?>
+<p:sld xmlns:a="http://schemas.openxmlformats.org/drawingml/2006/main" xmlns:r="http://schemas.openxmlformats.org/officeDocument/2006/relationships" xmlns:p="http://schemas.openxmlformats.org/presentationml/2006/main">
+  <p:cSld>
+    <p:spTree>
+      <p:nvGrpSpPr>
+        <p:cNvPr id="1" name=""/>
+        <p:cNvGrpSpPr/>
+        <p:nvPr/>
+      </p:nvGrpSpPr>
+      <p:grpSpPr>
+        <a:xfrm>
+          <a:off x="0" y="0"/>
+          <a:ext cx="0" cy="0"/>
+          <a:chOff x="0" y="0"/>
+          <a:chExt cx="0" cy="0"/>
+        </a:xfrm>
+      </p:grpSpPr>
+      <p:sp>
+        <p:nvSpPr>
+          <p:cNvPr id="2" name="标题 1"/>
+          <p:cNvSpPr>
+            <a:spLocks noGrp="1"/>
+          </p:cNvSpPr>
+          <p:nvPr>
+            <p:ph type="title"/>
+          </p:nvPr>
+        </p:nvSpPr>
+        <p:spPr/>
+        <p:txBody>
+          <a:bodyPr/>
+          <a:lstStyle/>
+          <a:p>
+            <a:r>
+              <a:rPr lang="zh-CN" altLang="en-US" dirty="0"/>
+              <a:t>总结</a:t>
+            </a:r>
+            <a:endParaRPr lang="zh-CN" altLang="en-US" dirty="0"/>
+          </a:p>
+        </p:txBody>
+      </p:sp>
+      <p:sp>
+        <p:nvSpPr>
+          <p:cNvPr id="3" name="内容占位符 2"/>
+          <p:cNvSpPr>
+            <a:spLocks noGrp="1"/>
+          </p:cNvSpPr>
+          <p:nvPr>
+            <p:ph idx="1"/>
+          </p:nvPr>
+        </p:nvSpPr>
+        <p:spPr/>
+        <p:txBody>
+          <a:bodyPr/>
+          <a:lstStyle/>
+          <a:p>
+            <a:r>
+              <a:rPr lang="zh-CN" altLang="en-US" dirty="0" smtClean="0"/>
+              <a:t>服务一定会慢慢变大，直到大到需要拆分，需要在合适的时候进行拆分</a:t>
+            </a:r>
+            <a:endParaRPr lang="en-US" altLang="zh-CN" dirty="0" smtClean="0"/>
+          </a:p>
+          <a:p>
+            <a:endParaRPr lang="en-US" altLang="zh-CN" dirty="0" smtClean="0"/>
+          </a:p>
+          <a:p>
+            <a:endParaRPr lang="en-US" altLang="zh-CN" dirty="0" smtClean="0"/>
+          </a:p>
+        </p:txBody>
+      </p:sp>
+    </p:spTree>
+    <p:extLst>
+      <p:ext uri="{BB962C8B-B14F-4D97-AF65-F5344CB8AC3E}">
+        <p14:creationId xmlns:p14="http://schemas.microsoft.com/office/powerpoint/2010/main" val="675064009"/>
       </p:ext>
     </p:extLst>
   </p:cSld>

--- a/Micro Service.pptx
+++ b/Micro Service.pptx
@@ -5,7 +5,7 @@
     <p:sldMasterId id="2147483660" r:id="rId1"/>
   </p:sldMasterIdLst>
   <p:notesMasterIdLst>
-    <p:notesMasterId r:id="rId29"/>
+    <p:notesMasterId r:id="rId33"/>
   </p:notesMasterIdLst>
   <p:sldIdLst>
     <p:sldId id="256" r:id="rId2"/>
@@ -34,7 +34,11 @@
     <p:sldId id="283" r:id="rId25"/>
     <p:sldId id="285" r:id="rId26"/>
     <p:sldId id="286" r:id="rId27"/>
-    <p:sldId id="284" r:id="rId28"/>
+    <p:sldId id="287" r:id="rId28"/>
+    <p:sldId id="288" r:id="rId29"/>
+    <p:sldId id="289" r:id="rId30"/>
+    <p:sldId id="290" r:id="rId31"/>
+    <p:sldId id="284" r:id="rId32"/>
   </p:sldIdLst>
   <p:sldSz cx="12192000" cy="6858000"/>
   <p:notesSz cx="6858000" cy="9144000"/>
@@ -223,7 +227,7 @@
           <a:p>
             <a:fld id="{B85CB690-453F-4C54-9FD9-B4719876F28D}" type="datetimeFigureOut">
               <a:rPr lang="zh-CN" altLang="en-US" smtClean="0"/>
-              <a:t>2018/8/30</a:t>
+              <a:t>2018/8/31</a:t>
             </a:fld>
             <a:endParaRPr lang="zh-CN" altLang="en-US"/>
           </a:p>
@@ -1077,7 +1081,7 @@
           <a:p>
             <a:fld id="{B8394647-73FF-4A97-BB49-5C6BA88F0F87}" type="datetimeFigureOut">
               <a:rPr lang="zh-CN" altLang="en-US" smtClean="0"/>
-              <a:t>2018/8/30</a:t>
+              <a:t>2018/8/31</a:t>
             </a:fld>
             <a:endParaRPr lang="zh-CN" altLang="en-US"/>
           </a:p>
@@ -1373,7 +1377,7 @@
           <a:p>
             <a:fld id="{B8394647-73FF-4A97-BB49-5C6BA88F0F87}" type="datetimeFigureOut">
               <a:rPr lang="zh-CN" altLang="en-US" smtClean="0"/>
-              <a:t>2018/8/30</a:t>
+              <a:t>2018/8/31</a:t>
             </a:fld>
             <a:endParaRPr lang="zh-CN" altLang="en-US"/>
           </a:p>
@@ -1621,7 +1625,7 @@
           <a:p>
             <a:fld id="{B8394647-73FF-4A97-BB49-5C6BA88F0F87}" type="datetimeFigureOut">
               <a:rPr lang="zh-CN" altLang="en-US" smtClean="0"/>
-              <a:t>2018/8/30</a:t>
+              <a:t>2018/8/31</a:t>
             </a:fld>
             <a:endParaRPr lang="zh-CN" altLang="en-US"/>
           </a:p>
@@ -2161,7 +2165,7 @@
           <a:p>
             <a:fld id="{B8394647-73FF-4A97-BB49-5C6BA88F0F87}" type="datetimeFigureOut">
               <a:rPr lang="zh-CN" altLang="en-US" smtClean="0"/>
-              <a:t>2018/8/30</a:t>
+              <a:t>2018/8/31</a:t>
             </a:fld>
             <a:endParaRPr lang="zh-CN" altLang="en-US"/>
           </a:p>
@@ -2409,7 +2413,7 @@
           <a:p>
             <a:fld id="{B8394647-73FF-4A97-BB49-5C6BA88F0F87}" type="datetimeFigureOut">
               <a:rPr lang="zh-CN" altLang="en-US" smtClean="0"/>
-              <a:t>2018/8/30</a:t>
+              <a:t>2018/8/31</a:t>
             </a:fld>
             <a:endParaRPr lang="zh-CN" altLang="en-US"/>
           </a:p>
@@ -2941,7 +2945,7 @@
           <a:p>
             <a:fld id="{B8394647-73FF-4A97-BB49-5C6BA88F0F87}" type="datetimeFigureOut">
               <a:rPr lang="zh-CN" altLang="en-US" smtClean="0"/>
-              <a:t>2018/8/30</a:t>
+              <a:t>2018/8/31</a:t>
             </a:fld>
             <a:endParaRPr lang="zh-CN" altLang="en-US"/>
           </a:p>
@@ -3238,7 +3242,7 @@
           <a:p>
             <a:fld id="{B8394647-73FF-4A97-BB49-5C6BA88F0F87}" type="datetimeFigureOut">
               <a:rPr lang="zh-CN" altLang="en-US" smtClean="0"/>
-              <a:t>2018/8/30</a:t>
+              <a:t>2018/8/31</a:t>
             </a:fld>
             <a:endParaRPr lang="zh-CN" altLang="en-US"/>
           </a:p>
@@ -3412,7 +3416,7 @@
           <a:p>
             <a:fld id="{B8394647-73FF-4A97-BB49-5C6BA88F0F87}" type="datetimeFigureOut">
               <a:rPr lang="zh-CN" altLang="en-US" smtClean="0"/>
-              <a:t>2018/8/30</a:t>
+              <a:t>2018/8/31</a:t>
             </a:fld>
             <a:endParaRPr lang="zh-CN" altLang="en-US"/>
           </a:p>
@@ -3592,7 +3596,7 @@
           <a:p>
             <a:fld id="{B8394647-73FF-4A97-BB49-5C6BA88F0F87}" type="datetimeFigureOut">
               <a:rPr lang="zh-CN" altLang="en-US" smtClean="0"/>
-              <a:t>2018/8/30</a:t>
+              <a:t>2018/8/31</a:t>
             </a:fld>
             <a:endParaRPr lang="zh-CN" altLang="en-US"/>
           </a:p>
@@ -3762,7 +3766,7 @@
           <a:p>
             <a:fld id="{B8394647-73FF-4A97-BB49-5C6BA88F0F87}" type="datetimeFigureOut">
               <a:rPr lang="zh-CN" altLang="en-US" smtClean="0"/>
-              <a:t>2018/8/30</a:t>
+              <a:t>2018/8/31</a:t>
             </a:fld>
             <a:endParaRPr lang="zh-CN" altLang="en-US"/>
           </a:p>
@@ -4013,7 +4017,7 @@
           <a:p>
             <a:fld id="{B8394647-73FF-4A97-BB49-5C6BA88F0F87}" type="datetimeFigureOut">
               <a:rPr lang="zh-CN" altLang="en-US" smtClean="0"/>
-              <a:t>2018/8/30</a:t>
+              <a:t>2018/8/31</a:t>
             </a:fld>
             <a:endParaRPr lang="zh-CN" altLang="en-US"/>
           </a:p>
@@ -4310,7 +4314,7 @@
           <a:p>
             <a:fld id="{B8394647-73FF-4A97-BB49-5C6BA88F0F87}" type="datetimeFigureOut">
               <a:rPr lang="zh-CN" altLang="en-US" smtClean="0"/>
-              <a:t>2018/8/30</a:t>
+              <a:t>2018/8/31</a:t>
             </a:fld>
             <a:endParaRPr lang="zh-CN" altLang="en-US"/>
           </a:p>
@@ -4752,7 +4756,7 @@
           <a:p>
             <a:fld id="{B8394647-73FF-4A97-BB49-5C6BA88F0F87}" type="datetimeFigureOut">
               <a:rPr lang="zh-CN" altLang="en-US" smtClean="0"/>
-              <a:t>2018/8/30</a:t>
+              <a:t>2018/8/31</a:t>
             </a:fld>
             <a:endParaRPr lang="zh-CN" altLang="en-US"/>
           </a:p>
@@ -4870,7 +4874,7 @@
           <a:p>
             <a:fld id="{B8394647-73FF-4A97-BB49-5C6BA88F0F87}" type="datetimeFigureOut">
               <a:rPr lang="zh-CN" altLang="en-US" smtClean="0"/>
-              <a:t>2018/8/30</a:t>
+              <a:t>2018/8/31</a:t>
             </a:fld>
             <a:endParaRPr lang="zh-CN" altLang="en-US"/>
           </a:p>
@@ -4965,7 +4969,7 @@
           <a:p>
             <a:fld id="{B8394647-73FF-4A97-BB49-5C6BA88F0F87}" type="datetimeFigureOut">
               <a:rPr lang="zh-CN" altLang="en-US" smtClean="0"/>
-              <a:t>2018/8/30</a:t>
+              <a:t>2018/8/31</a:t>
             </a:fld>
             <a:endParaRPr lang="zh-CN" altLang="en-US"/>
           </a:p>
@@ -5248,7 +5252,7 @@
           <a:p>
             <a:fld id="{B8394647-73FF-4A97-BB49-5C6BA88F0F87}" type="datetimeFigureOut">
               <a:rPr lang="zh-CN" altLang="en-US" smtClean="0"/>
-              <a:t>2018/8/30</a:t>
+              <a:t>2018/8/31</a:t>
             </a:fld>
             <a:endParaRPr lang="zh-CN" altLang="en-US"/>
           </a:p>
@@ -5539,7 +5543,7 @@
           <a:p>
             <a:fld id="{B8394647-73FF-4A97-BB49-5C6BA88F0F87}" type="datetimeFigureOut">
               <a:rPr lang="zh-CN" altLang="en-US" smtClean="0"/>
-              <a:t>2018/8/30</a:t>
+              <a:t>2018/8/31</a:t>
             </a:fld>
             <a:endParaRPr lang="zh-CN" altLang="en-US"/>
           </a:p>
@@ -6069,7 +6073,7 @@
           <a:p>
             <a:fld id="{B8394647-73FF-4A97-BB49-5C6BA88F0F87}" type="datetimeFigureOut">
               <a:rPr lang="zh-CN" altLang="en-US" smtClean="0"/>
-              <a:t>2018/8/30</a:t>
+              <a:t>2018/8/31</a:t>
             </a:fld>
             <a:endParaRPr lang="zh-CN" altLang="en-US"/>
           </a:p>
@@ -8429,7 +8433,6 @@
               <a:rPr lang="zh-CN" altLang="en-US" dirty="0"/>
               <a:t>部署</a:t>
             </a:r>
-            <a:endParaRPr lang="zh-CN" altLang="en-US" dirty="0"/>
           </a:p>
         </p:txBody>
       </p:sp>
@@ -8463,6 +8466,25 @@
             <a:r>
               <a:rPr lang="zh-CN" altLang="en-US" dirty="0" smtClean="0"/>
               <a:t>持续集成）</a:t>
+            </a:r>
+            <a:endParaRPr lang="en-US" altLang="zh-CN" dirty="0" smtClean="0"/>
+          </a:p>
+          <a:p>
+            <a:r>
+              <a:rPr lang="en-US" altLang="zh-CN" dirty="0" smtClean="0"/>
+              <a:t>CD</a:t>
+            </a:r>
+            <a:r>
+              <a:rPr lang="zh-CN" altLang="en-US" dirty="0" smtClean="0"/>
+              <a:t>（</a:t>
+            </a:r>
+            <a:r>
+              <a:rPr lang="en-US" altLang="zh-CN" dirty="0" smtClean="0"/>
+              <a:t>Continuous Delivery </a:t>
+            </a:r>
+            <a:r>
+              <a:rPr lang="zh-CN" altLang="en-US" dirty="0" smtClean="0"/>
+              <a:t>持续交付）</a:t>
             </a:r>
             <a:endParaRPr lang="en-US" altLang="zh-CN" dirty="0" smtClean="0"/>
           </a:p>
@@ -8616,46 +8638,390 @@
           <a:lstStyle/>
           <a:p>
             <a:r>
-              <a:rPr lang="zh-CN" altLang="en-US" dirty="0"/>
-              <a:t>总结</a:t>
+              <a:rPr lang="en-US" altLang="zh-CN" dirty="0" smtClean="0"/>
+              <a:t>CD</a:t>
             </a:r>
             <a:endParaRPr lang="zh-CN" altLang="en-US" dirty="0"/>
           </a:p>
         </p:txBody>
       </p:sp>
-      <p:sp>
-        <p:nvSpPr>
-          <p:cNvPr id="3" name="内容占位符 2"/>
-          <p:cNvSpPr>
-            <a:spLocks noGrp="1"/>
-          </p:cNvSpPr>
+      <p:pic>
+        <p:nvPicPr>
+          <p:cNvPr id="6" name="内容占位符 5"/>
+          <p:cNvPicPr>
+            <a:picLocks noGrp="1" noChangeAspect="1"/>
+          </p:cNvPicPr>
           <p:nvPr>
             <p:ph idx="1"/>
           </p:nvPr>
-        </p:nvSpPr>
-        <p:spPr/>
-        <p:txBody>
-          <a:bodyPr/>
-          <a:lstStyle/>
-          <a:p>
-            <a:r>
-              <a:rPr lang="zh-CN" altLang="en-US" dirty="0" smtClean="0"/>
-              <a:t>服务一定会慢慢变大，直到大到需要拆分，需要在合适的时候进行拆分</a:t>
-            </a:r>
-            <a:endParaRPr lang="en-US" altLang="zh-CN" dirty="0" smtClean="0"/>
-          </a:p>
-          <a:p>
-            <a:endParaRPr lang="en-US" altLang="zh-CN" dirty="0" smtClean="0"/>
-          </a:p>
-          <a:p>
-            <a:endParaRPr lang="en-US" altLang="zh-CN" dirty="0" smtClean="0"/>
+        </p:nvPicPr>
+        <p:blipFill>
+          <a:blip r:embed="rId2"/>
+          <a:stretch>
+            <a:fillRect/>
+          </a:stretch>
+        </p:blipFill>
+        <p:spPr>
+          <a:xfrm>
+            <a:off x="113877" y="2095048"/>
+            <a:ext cx="11938638" cy="1531062"/>
+          </a:xfrm>
+          <a:prstGeom prst="rect">
+            <a:avLst/>
+          </a:prstGeom>
+        </p:spPr>
+      </p:pic>
+      <p:sp>
+        <p:nvSpPr>
+          <p:cNvPr id="7" name="文本框 6"/>
+          <p:cNvSpPr txBox="1"/>
+          <p:nvPr/>
+        </p:nvSpPr>
+        <p:spPr>
+          <a:xfrm>
+            <a:off x="3068664" y="4602997"/>
+            <a:ext cx="5690789" cy="584775"/>
+          </a:xfrm>
+          <a:prstGeom prst="rect">
+            <a:avLst/>
+          </a:prstGeom>
+          <a:noFill/>
+        </p:spPr>
+        <p:txBody>
+          <a:bodyPr wrap="none" rtlCol="0">
+            <a:spAutoFit/>
+          </a:bodyPr>
+          <a:lstStyle/>
+          <a:p>
+            <a:r>
+              <a:rPr lang="zh-CN" altLang="en-US" sz="3200" dirty="0" smtClean="0"/>
+              <a:t>编译</a:t>
+            </a:r>
+            <a:r>
+              <a:rPr lang="en-US" altLang="zh-CN" sz="3200" dirty="0" smtClean="0">
+                <a:sym typeface="Wingdings" panose="05000000000000000000" pitchFamily="2" charset="2"/>
+              </a:rPr>
+              <a:t></a:t>
+            </a:r>
+            <a:r>
+              <a:rPr lang="zh-CN" altLang="en-US" sz="3200" dirty="0" smtClean="0">
+                <a:sym typeface="Wingdings" panose="05000000000000000000" pitchFamily="2" charset="2"/>
+              </a:rPr>
+              <a:t>测试</a:t>
+            </a:r>
+            <a:r>
+              <a:rPr lang="en-US" altLang="zh-CN" sz="3200" dirty="0" smtClean="0">
+                <a:sym typeface="Wingdings" panose="05000000000000000000" pitchFamily="2" charset="2"/>
+              </a:rPr>
+              <a:t></a:t>
+            </a:r>
+            <a:r>
+              <a:rPr lang="en-US" altLang="zh-CN" sz="3200" dirty="0" err="1" smtClean="0">
+                <a:sym typeface="Wingdings" panose="05000000000000000000" pitchFamily="2" charset="2"/>
+              </a:rPr>
+              <a:t>devtest</a:t>
+            </a:r>
+            <a:r>
+              <a:rPr lang="en-US" altLang="zh-CN" sz="3200" dirty="0" smtClean="0">
+                <a:sym typeface="Wingdings" panose="05000000000000000000" pitchFamily="2" charset="2"/>
+              </a:rPr>
+              <a:t></a:t>
+            </a:r>
+            <a:r>
+              <a:rPr lang="zh-CN" altLang="en-US" sz="3200" dirty="0" smtClean="0">
+                <a:sym typeface="Wingdings" panose="05000000000000000000" pitchFamily="2" charset="2"/>
+              </a:rPr>
+              <a:t>完成</a:t>
+            </a:r>
+            <a:endParaRPr lang="zh-CN" altLang="en-US" sz="3200" dirty="0"/>
           </a:p>
         </p:txBody>
       </p:sp>
     </p:spTree>
     <p:extLst>
       <p:ext uri="{BB962C8B-B14F-4D97-AF65-F5344CB8AC3E}">
-        <p14:creationId xmlns:p14="http://schemas.microsoft.com/office/powerpoint/2010/main" val="675064009"/>
+        <p14:creationId xmlns:p14="http://schemas.microsoft.com/office/powerpoint/2010/main" val="2460613355"/>
+      </p:ext>
+    </p:extLst>
+  </p:cSld>
+  <p:clrMapOvr>
+    <a:masterClrMapping/>
+  </p:clrMapOvr>
+</p:sld>
+</file>
+
+<file path=ppt/slides/slide28.xml><?xml version="1.0" encoding="utf-8"?>
+<p:sld xmlns:a="http://schemas.openxmlformats.org/drawingml/2006/main" xmlns:r="http://schemas.openxmlformats.org/officeDocument/2006/relationships" xmlns:p="http://schemas.openxmlformats.org/presentationml/2006/main">
+  <p:cSld>
+    <p:spTree>
+      <p:nvGrpSpPr>
+        <p:cNvPr id="1" name=""/>
+        <p:cNvGrpSpPr/>
+        <p:nvPr/>
+      </p:nvGrpSpPr>
+      <p:grpSpPr>
+        <a:xfrm>
+          <a:off x="0" y="0"/>
+          <a:ext cx="0" cy="0"/>
+          <a:chOff x="0" y="0"/>
+          <a:chExt cx="0" cy="0"/>
+        </a:xfrm>
+      </p:grpSpPr>
+      <p:sp>
+        <p:nvSpPr>
+          <p:cNvPr id="2" name="标题 1"/>
+          <p:cNvSpPr>
+            <a:spLocks noGrp="1"/>
+          </p:cNvSpPr>
+          <p:nvPr>
+            <p:ph type="title"/>
+          </p:nvPr>
+        </p:nvSpPr>
+        <p:spPr/>
+        <p:txBody>
+          <a:bodyPr/>
+          <a:lstStyle/>
+          <a:p>
+            <a:r>
+              <a:rPr lang="zh-CN" altLang="en-US" dirty="0" smtClean="0"/>
+              <a:t>服务与主机</a:t>
+            </a:r>
+            <a:endParaRPr lang="zh-CN" altLang="en-US" dirty="0"/>
+          </a:p>
+        </p:txBody>
+      </p:sp>
+      <p:sp>
+        <p:nvSpPr>
+          <p:cNvPr id="3" name="内容占位符 2"/>
+          <p:cNvSpPr>
+            <a:spLocks noGrp="1"/>
+          </p:cNvSpPr>
+          <p:nvPr>
+            <p:ph idx="1"/>
+          </p:nvPr>
+        </p:nvSpPr>
+        <p:spPr>
+          <a:xfrm>
+            <a:off x="1484310" y="2438399"/>
+            <a:ext cx="10018713" cy="3124201"/>
+          </a:xfrm>
+        </p:spPr>
+        <p:txBody>
+          <a:bodyPr/>
+          <a:lstStyle/>
+          <a:p>
+            <a:r>
+              <a:rPr lang="zh-CN" altLang="en-US" dirty="0" smtClean="0"/>
+              <a:t>单主机多服务（监控规则、服务之间性能影响）</a:t>
+            </a:r>
+            <a:endParaRPr lang="en-US" altLang="zh-CN" dirty="0" smtClean="0"/>
+          </a:p>
+          <a:p>
+            <a:r>
+              <a:rPr lang="zh-CN" altLang="en-US" dirty="0" smtClean="0"/>
+              <a:t>应用程序容器（技术栈不好扩展、服务之间性能影响）</a:t>
+            </a:r>
+            <a:endParaRPr lang="en-US" altLang="zh-CN" dirty="0" smtClean="0"/>
+          </a:p>
+          <a:p>
+            <a:r>
+              <a:rPr lang="zh-CN" altLang="en-US" dirty="0" smtClean="0"/>
+              <a:t>每个主机一个服务（机器成本高）</a:t>
+            </a:r>
+            <a:endParaRPr lang="en-US" altLang="zh-CN" dirty="0" smtClean="0"/>
+          </a:p>
+          <a:p>
+            <a:r>
+              <a:rPr lang="zh-CN" altLang="en-US" dirty="0" smtClean="0"/>
+              <a:t>平台即服务（</a:t>
+            </a:r>
+            <a:r>
+              <a:rPr lang="en-US" altLang="zh-CN" dirty="0" smtClean="0"/>
+              <a:t>PAAS</a:t>
+            </a:r>
+            <a:r>
+              <a:rPr lang="zh-CN" altLang="en-US" dirty="0" smtClean="0"/>
+              <a:t>，把</a:t>
+            </a:r>
+            <a:r>
+              <a:rPr lang="zh-CN" altLang="en-US" dirty="0"/>
+              <a:t>应用服务的运行和开发环境作为一种服务提供的商业模式。</a:t>
+            </a:r>
+            <a:r>
+              <a:rPr lang="zh-CN" altLang="en-US" dirty="0" smtClean="0"/>
+              <a:t>）</a:t>
+            </a:r>
+            <a:endParaRPr lang="zh-CN" altLang="en-US" dirty="0"/>
+          </a:p>
+        </p:txBody>
+      </p:sp>
+    </p:spTree>
+    <p:extLst>
+      <p:ext uri="{BB962C8B-B14F-4D97-AF65-F5344CB8AC3E}">
+        <p14:creationId xmlns:p14="http://schemas.microsoft.com/office/powerpoint/2010/main" val="735785339"/>
+      </p:ext>
+    </p:extLst>
+  </p:cSld>
+  <p:clrMapOvr>
+    <a:masterClrMapping/>
+  </p:clrMapOvr>
+</p:sld>
+</file>
+
+<file path=ppt/slides/slide29.xml><?xml version="1.0" encoding="utf-8"?>
+<p:sld xmlns:a="http://schemas.openxmlformats.org/drawingml/2006/main" xmlns:r="http://schemas.openxmlformats.org/officeDocument/2006/relationships" xmlns:p="http://schemas.openxmlformats.org/presentationml/2006/main">
+  <p:cSld>
+    <p:spTree>
+      <p:nvGrpSpPr>
+        <p:cNvPr id="1" name=""/>
+        <p:cNvGrpSpPr/>
+        <p:nvPr/>
+      </p:nvGrpSpPr>
+      <p:grpSpPr>
+        <a:xfrm>
+          <a:off x="0" y="0"/>
+          <a:ext cx="0" cy="0"/>
+          <a:chOff x="0" y="0"/>
+          <a:chExt cx="0" cy="0"/>
+        </a:xfrm>
+      </p:grpSpPr>
+      <p:sp>
+        <p:nvSpPr>
+          <p:cNvPr id="2" name="标题 1"/>
+          <p:cNvSpPr>
+            <a:spLocks noGrp="1"/>
+          </p:cNvSpPr>
+          <p:nvPr>
+            <p:ph type="title"/>
+          </p:nvPr>
+        </p:nvSpPr>
+        <p:spPr/>
+        <p:txBody>
+          <a:bodyPr/>
+          <a:lstStyle/>
+          <a:p>
+            <a:r>
+              <a:rPr lang="zh-CN" altLang="en-US" dirty="0"/>
+              <a:t>测试</a:t>
+            </a:r>
+          </a:p>
+        </p:txBody>
+      </p:sp>
+      <p:pic>
+        <p:nvPicPr>
+          <p:cNvPr id="4" name="内容占位符 3"/>
+          <p:cNvPicPr>
+            <a:picLocks noGrp="1" noChangeAspect="1"/>
+          </p:cNvPicPr>
+          <p:nvPr>
+            <p:ph idx="1"/>
+          </p:nvPr>
+        </p:nvPicPr>
+        <p:blipFill>
+          <a:blip r:embed="rId2"/>
+          <a:stretch>
+            <a:fillRect/>
+          </a:stretch>
+        </p:blipFill>
+        <p:spPr>
+          <a:xfrm>
+            <a:off x="1805247" y="2179553"/>
+            <a:ext cx="4572363" cy="3737410"/>
+          </a:xfrm>
+          <a:prstGeom prst="rect">
+            <a:avLst/>
+          </a:prstGeom>
+        </p:spPr>
+      </p:pic>
+      <p:sp>
+        <p:nvSpPr>
+          <p:cNvPr id="3" name="文本框 2"/>
+          <p:cNvSpPr txBox="1"/>
+          <p:nvPr/>
+        </p:nvSpPr>
+        <p:spPr>
+          <a:xfrm>
+            <a:off x="6698546" y="2438399"/>
+            <a:ext cx="5043368" cy="2862322"/>
+          </a:xfrm>
+          <a:prstGeom prst="rect">
+            <a:avLst/>
+          </a:prstGeom>
+          <a:noFill/>
+        </p:spPr>
+        <p:txBody>
+          <a:bodyPr wrap="none" rtlCol="0">
+            <a:spAutoFit/>
+          </a:bodyPr>
+          <a:lstStyle/>
+          <a:p>
+            <a:r>
+              <a:rPr lang="en-US" altLang="zh-CN" dirty="0" smtClean="0"/>
+              <a:t>UI</a:t>
+            </a:r>
+            <a:r>
+              <a:rPr lang="zh-CN" altLang="en-US" dirty="0" smtClean="0"/>
+              <a:t>测试：</a:t>
+            </a:r>
+            <a:r>
+              <a:rPr lang="en-US" altLang="zh-CN" dirty="0" smtClean="0"/>
+              <a:t>N</a:t>
+            </a:r>
+            <a:r>
+              <a:rPr lang="zh-CN" altLang="en-US" dirty="0" smtClean="0"/>
+              <a:t>个系统进行集成测试</a:t>
+            </a:r>
+            <a:endParaRPr lang="en-US" altLang="zh-CN" dirty="0" smtClean="0"/>
+          </a:p>
+          <a:p>
+            <a:endParaRPr lang="en-US" altLang="zh-CN" dirty="0"/>
+          </a:p>
+          <a:p>
+            <a:endParaRPr lang="en-US" altLang="zh-CN" dirty="0" smtClean="0"/>
+          </a:p>
+          <a:p>
+            <a:endParaRPr lang="en-US" altLang="zh-CN" dirty="0" smtClean="0"/>
+          </a:p>
+          <a:p>
+            <a:r>
+              <a:rPr lang="zh-CN" altLang="en-US" dirty="0" smtClean="0"/>
+              <a:t>服务测试：打桩</a:t>
+            </a:r>
+            <a:r>
+              <a:rPr lang="en-US" altLang="zh-CN" dirty="0" smtClean="0"/>
+              <a:t>/mock</a:t>
+            </a:r>
+            <a:r>
+              <a:rPr lang="zh-CN" altLang="en-US" dirty="0" smtClean="0"/>
+              <a:t>保证测试停留在本服务内</a:t>
+            </a:r>
+            <a:endParaRPr lang="en-US" altLang="zh-CN" dirty="0" smtClean="0"/>
+          </a:p>
+          <a:p>
+            <a:endParaRPr lang="en-US" altLang="zh-CN" dirty="0"/>
+          </a:p>
+          <a:p>
+            <a:endParaRPr lang="en-US" altLang="zh-CN" dirty="0" smtClean="0"/>
+          </a:p>
+          <a:p>
+            <a:endParaRPr lang="en-US" altLang="zh-CN" dirty="0"/>
+          </a:p>
+          <a:p>
+            <a:endParaRPr lang="en-US" altLang="zh-CN" dirty="0" smtClean="0"/>
+          </a:p>
+          <a:p>
+            <a:r>
+              <a:rPr lang="zh-CN" altLang="en-US" dirty="0" smtClean="0"/>
+              <a:t>单元测试：方法级别测试</a:t>
+            </a:r>
+            <a:endParaRPr lang="zh-CN" altLang="en-US" dirty="0"/>
+          </a:p>
+        </p:txBody>
+      </p:sp>
+    </p:spTree>
+    <p:extLst>
+      <p:ext uri="{BB962C8B-B14F-4D97-AF65-F5344CB8AC3E}">
+        <p14:creationId xmlns:p14="http://schemas.microsoft.com/office/powerpoint/2010/main" val="4080629841"/>
       </p:ext>
     </p:extLst>
   </p:cSld>
@@ -8779,6 +9145,232 @@
     <p:extLst>
       <p:ext uri="{BB962C8B-B14F-4D97-AF65-F5344CB8AC3E}">
         <p14:creationId xmlns:p14="http://schemas.microsoft.com/office/powerpoint/2010/main" val="1298283686"/>
+      </p:ext>
+    </p:extLst>
+  </p:cSld>
+  <p:clrMapOvr>
+    <a:masterClrMapping/>
+  </p:clrMapOvr>
+</p:sld>
+</file>
+
+<file path=ppt/slides/slide30.xml><?xml version="1.0" encoding="utf-8"?>
+<p:sld xmlns:a="http://schemas.openxmlformats.org/drawingml/2006/main" xmlns:r="http://schemas.openxmlformats.org/officeDocument/2006/relationships" xmlns:p="http://schemas.openxmlformats.org/presentationml/2006/main">
+  <p:cSld>
+    <p:spTree>
+      <p:nvGrpSpPr>
+        <p:cNvPr id="1" name=""/>
+        <p:cNvGrpSpPr/>
+        <p:nvPr/>
+      </p:nvGrpSpPr>
+      <p:grpSpPr>
+        <a:xfrm>
+          <a:off x="0" y="0"/>
+          <a:ext cx="0" cy="0"/>
+          <a:chOff x="0" y="0"/>
+          <a:chExt cx="0" cy="0"/>
+        </a:xfrm>
+      </p:grpSpPr>
+      <p:sp>
+        <p:nvSpPr>
+          <p:cNvPr id="2" name="标题 1"/>
+          <p:cNvSpPr>
+            <a:spLocks noGrp="1"/>
+          </p:cNvSpPr>
+          <p:nvPr>
+            <p:ph type="title"/>
+          </p:nvPr>
+        </p:nvSpPr>
+        <p:spPr/>
+        <p:txBody>
+          <a:bodyPr/>
+          <a:lstStyle/>
+          <a:p>
+            <a:r>
+              <a:rPr lang="zh-CN" altLang="en-US" dirty="0"/>
+              <a:t>其他</a:t>
+            </a:r>
+            <a:endParaRPr lang="zh-CN" altLang="en-US" dirty="0"/>
+          </a:p>
+        </p:txBody>
+      </p:sp>
+      <p:sp>
+        <p:nvSpPr>
+          <p:cNvPr id="5" name="内容占位符 4"/>
+          <p:cNvSpPr>
+            <a:spLocks noGrp="1"/>
+          </p:cNvSpPr>
+          <p:nvPr>
+            <p:ph idx="1"/>
+          </p:nvPr>
+        </p:nvSpPr>
+        <p:spPr/>
+        <p:txBody>
+          <a:bodyPr/>
+          <a:lstStyle/>
+          <a:p>
+            <a:r>
+              <a:rPr lang="zh-CN" altLang="en-US" dirty="0" smtClean="0"/>
+              <a:t>监控（服务器指标、日志监控与收集）</a:t>
+            </a:r>
+            <a:endParaRPr lang="en-US" altLang="zh-CN" dirty="0" smtClean="0"/>
+          </a:p>
+          <a:p>
+            <a:r>
+              <a:rPr lang="zh-CN" altLang="en-US" dirty="0" smtClean="0"/>
+              <a:t>安全（验证和授权）</a:t>
+            </a:r>
+            <a:endParaRPr lang="en-US" altLang="zh-CN" dirty="0" smtClean="0"/>
+          </a:p>
+          <a:p>
+            <a:r>
+              <a:rPr lang="zh-CN" altLang="en-US" dirty="0" smtClean="0"/>
+              <a:t>高可用（负载均衡、请求分发策略）</a:t>
+            </a:r>
+            <a:endParaRPr lang="en-US" altLang="zh-CN" dirty="0" smtClean="0"/>
+          </a:p>
+          <a:p>
+            <a:r>
+              <a:rPr lang="zh-CN" altLang="en-US" dirty="0" smtClean="0"/>
+              <a:t>推荐</a:t>
+            </a:r>
+            <a:r>
+              <a:rPr lang="en-US" altLang="zh-CN" dirty="0" smtClean="0"/>
+              <a:t>《</a:t>
+            </a:r>
+            <a:r>
+              <a:rPr lang="zh-CN" altLang="en-US" smtClean="0"/>
+              <a:t>微服务设计</a:t>
+            </a:r>
+            <a:r>
+              <a:rPr lang="en-US" altLang="zh-CN" smtClean="0"/>
+              <a:t>》</a:t>
+            </a:r>
+            <a:endParaRPr lang="zh-CN" altLang="en-US" dirty="0"/>
+          </a:p>
+        </p:txBody>
+      </p:sp>
+    </p:spTree>
+    <p:extLst>
+      <p:ext uri="{BB962C8B-B14F-4D97-AF65-F5344CB8AC3E}">
+        <p14:creationId xmlns:p14="http://schemas.microsoft.com/office/powerpoint/2010/main" val="1631523580"/>
+      </p:ext>
+    </p:extLst>
+  </p:cSld>
+  <p:clrMapOvr>
+    <a:masterClrMapping/>
+  </p:clrMapOvr>
+</p:sld>
+</file>
+
+<file path=ppt/slides/slide31.xml><?xml version="1.0" encoding="utf-8"?>
+<p:sld xmlns:a="http://schemas.openxmlformats.org/drawingml/2006/main" xmlns:r="http://schemas.openxmlformats.org/officeDocument/2006/relationships" xmlns:p="http://schemas.openxmlformats.org/presentationml/2006/main">
+  <p:cSld>
+    <p:spTree>
+      <p:nvGrpSpPr>
+        <p:cNvPr id="1" name=""/>
+        <p:cNvGrpSpPr/>
+        <p:nvPr/>
+      </p:nvGrpSpPr>
+      <p:grpSpPr>
+        <a:xfrm>
+          <a:off x="0" y="0"/>
+          <a:ext cx="0" cy="0"/>
+          <a:chOff x="0" y="0"/>
+          <a:chExt cx="0" cy="0"/>
+        </a:xfrm>
+      </p:grpSpPr>
+      <p:sp>
+        <p:nvSpPr>
+          <p:cNvPr id="2" name="标题 1"/>
+          <p:cNvSpPr>
+            <a:spLocks noGrp="1"/>
+          </p:cNvSpPr>
+          <p:nvPr>
+            <p:ph type="title"/>
+          </p:nvPr>
+        </p:nvSpPr>
+        <p:spPr/>
+        <p:txBody>
+          <a:bodyPr/>
+          <a:lstStyle/>
+          <a:p>
+            <a:r>
+              <a:rPr lang="zh-CN" altLang="en-US" dirty="0"/>
+              <a:t>总结</a:t>
+            </a:r>
+          </a:p>
+        </p:txBody>
+      </p:sp>
+      <p:sp>
+        <p:nvSpPr>
+          <p:cNvPr id="3" name="内容占位符 2"/>
+          <p:cNvSpPr>
+            <a:spLocks noGrp="1"/>
+          </p:cNvSpPr>
+          <p:nvPr>
+            <p:ph idx="1"/>
+          </p:nvPr>
+        </p:nvSpPr>
+        <p:spPr/>
+        <p:txBody>
+          <a:bodyPr/>
+          <a:lstStyle/>
+          <a:p>
+            <a:r>
+              <a:rPr lang="zh-CN" altLang="en-US" dirty="0" smtClean="0"/>
+              <a:t>围绕业务概念</a:t>
+            </a:r>
+            <a:r>
+              <a:rPr lang="zh-CN" altLang="en-US" dirty="0"/>
+              <a:t>建模，服务一定会慢慢变大，直到大到需要拆分，需要在合适的时候进行</a:t>
+            </a:r>
+            <a:r>
+              <a:rPr lang="zh-CN" altLang="en-US" dirty="0" smtClean="0"/>
+              <a:t>拆分</a:t>
+            </a:r>
+            <a:endParaRPr lang="en-US" altLang="zh-CN" dirty="0" smtClean="0"/>
+          </a:p>
+          <a:p>
+            <a:r>
+              <a:rPr lang="zh-CN" altLang="en-US" dirty="0" smtClean="0"/>
+              <a:t>自动化实现</a:t>
+            </a:r>
+            <a:endParaRPr lang="en-US" altLang="zh-CN" dirty="0" smtClean="0"/>
+          </a:p>
+          <a:p>
+            <a:r>
+              <a:rPr lang="zh-CN" altLang="en-US" dirty="0" smtClean="0"/>
+              <a:t>隐藏内部实现细节，一切</a:t>
+            </a:r>
+            <a:r>
+              <a:rPr lang="en-US" altLang="zh-CN" dirty="0" smtClean="0"/>
+              <a:t>API</a:t>
+            </a:r>
+          </a:p>
+          <a:p>
+            <a:r>
+              <a:rPr lang="zh-CN" altLang="en-US" dirty="0"/>
+              <a:t>去</a:t>
+            </a:r>
+            <a:r>
+              <a:rPr lang="zh-CN" altLang="en-US" dirty="0" smtClean="0"/>
+              <a:t>中心化、独立部署、失败隔离</a:t>
+            </a:r>
+            <a:endParaRPr lang="en-US" altLang="zh-CN" dirty="0" smtClean="0"/>
+          </a:p>
+          <a:p>
+            <a:endParaRPr lang="en-US" altLang="zh-CN" dirty="0" smtClean="0"/>
+          </a:p>
+          <a:p>
+            <a:endParaRPr lang="en-US" altLang="zh-CN" dirty="0" smtClean="0"/>
+          </a:p>
+        </p:txBody>
+      </p:sp>
+    </p:spTree>
+    <p:extLst>
+      <p:ext uri="{BB962C8B-B14F-4D97-AF65-F5344CB8AC3E}">
+        <p14:creationId xmlns:p14="http://schemas.microsoft.com/office/powerpoint/2010/main" val="675064009"/>
       </p:ext>
     </p:extLst>
   </p:cSld>
@@ -9425,7 +10017,7 @@
         <a:sysClr val="windowText" lastClr="000000"/>
       </a:dk1>
       <a:lt1>
-        <a:sysClr val="window" lastClr="C8E8C8"/>
+        <a:sysClr val="window" lastClr="FFFFFF"/>
       </a:lt1>
       <a:dk2>
         <a:srgbClr val="212121"/>
@@ -9621,7 +10213,7 @@
         <a:sysClr val="windowText" lastClr="000000"/>
       </a:dk1>
       <a:lt1>
-        <a:sysClr val="window" lastClr="C8E8C8"/>
+        <a:sysClr val="window" lastClr="FFFFFF"/>
       </a:lt1>
       <a:dk2>
         <a:srgbClr val="44546A"/>
